--- a/SFMLNetworkingSim/CMP303 Presentation - Fraser Barker(1600196).pptx
+++ b/SFMLNetworkingSim/CMP303 Presentation - Fraser Barker(1600196).pptx
@@ -110,6 +110,11 @@
       </a:defRPr>
     </a:lvl9pPr>
   </p:defaultTextStyle>
+  <p:extLst>
+    <p:ext uri="{EFAFB233-063F-42B5-8137-9DF3F51BA10A}">
+      <p15:sldGuideLst xmlns:p15="http://schemas.microsoft.com/office/powerpoint/2012/main"/>
+    </p:ext>
+  </p:extLst>
 </p:presentation>
 </file>
 
@@ -244,7 +249,7 @@
           <a:p>
             <a:fld id="{7450B37A-919D-449D-B939-57AE1785A504}" type="datetimeFigureOut">
               <a:rPr lang="en-GB" smtClean="0"/>
-              <a:t>07/12/2018</a:t>
+              <a:t>09/12/2018</a:t>
             </a:fld>
             <a:endParaRPr lang="en-GB"/>
           </a:p>
@@ -414,7 +419,7 @@
           <a:p>
             <a:fld id="{7450B37A-919D-449D-B939-57AE1785A504}" type="datetimeFigureOut">
               <a:rPr lang="en-GB" smtClean="0"/>
-              <a:t>07/12/2018</a:t>
+              <a:t>09/12/2018</a:t>
             </a:fld>
             <a:endParaRPr lang="en-GB"/>
           </a:p>
@@ -594,7 +599,7 @@
           <a:p>
             <a:fld id="{7450B37A-919D-449D-B939-57AE1785A504}" type="datetimeFigureOut">
               <a:rPr lang="en-GB" smtClean="0"/>
-              <a:t>07/12/2018</a:t>
+              <a:t>09/12/2018</a:t>
             </a:fld>
             <a:endParaRPr lang="en-GB"/>
           </a:p>
@@ -764,7 +769,7 @@
           <a:p>
             <a:fld id="{7450B37A-919D-449D-B939-57AE1785A504}" type="datetimeFigureOut">
               <a:rPr lang="en-GB" smtClean="0"/>
-              <a:t>07/12/2018</a:t>
+              <a:t>09/12/2018</a:t>
             </a:fld>
             <a:endParaRPr lang="en-GB"/>
           </a:p>
@@ -1010,7 +1015,7 @@
           <a:p>
             <a:fld id="{7450B37A-919D-449D-B939-57AE1785A504}" type="datetimeFigureOut">
               <a:rPr lang="en-GB" smtClean="0"/>
-              <a:t>07/12/2018</a:t>
+              <a:t>09/12/2018</a:t>
             </a:fld>
             <a:endParaRPr lang="en-GB"/>
           </a:p>
@@ -1242,7 +1247,7 @@
           <a:p>
             <a:fld id="{7450B37A-919D-449D-B939-57AE1785A504}" type="datetimeFigureOut">
               <a:rPr lang="en-GB" smtClean="0"/>
-              <a:t>07/12/2018</a:t>
+              <a:t>09/12/2018</a:t>
             </a:fld>
             <a:endParaRPr lang="en-GB"/>
           </a:p>
@@ -1609,7 +1614,7 @@
           <a:p>
             <a:fld id="{7450B37A-919D-449D-B939-57AE1785A504}" type="datetimeFigureOut">
               <a:rPr lang="en-GB" smtClean="0"/>
-              <a:t>07/12/2018</a:t>
+              <a:t>09/12/2018</a:t>
             </a:fld>
             <a:endParaRPr lang="en-GB"/>
           </a:p>
@@ -1727,7 +1732,7 @@
           <a:p>
             <a:fld id="{7450B37A-919D-449D-B939-57AE1785A504}" type="datetimeFigureOut">
               <a:rPr lang="en-GB" smtClean="0"/>
-              <a:t>07/12/2018</a:t>
+              <a:t>09/12/2018</a:t>
             </a:fld>
             <a:endParaRPr lang="en-GB"/>
           </a:p>
@@ -1822,7 +1827,7 @@
           <a:p>
             <a:fld id="{7450B37A-919D-449D-B939-57AE1785A504}" type="datetimeFigureOut">
               <a:rPr lang="en-GB" smtClean="0"/>
-              <a:t>07/12/2018</a:t>
+              <a:t>09/12/2018</a:t>
             </a:fld>
             <a:endParaRPr lang="en-GB"/>
           </a:p>
@@ -2099,7 +2104,7 @@
           <a:p>
             <a:fld id="{7450B37A-919D-449D-B939-57AE1785A504}" type="datetimeFigureOut">
               <a:rPr lang="en-GB" smtClean="0"/>
-              <a:t>07/12/2018</a:t>
+              <a:t>09/12/2018</a:t>
             </a:fld>
             <a:endParaRPr lang="en-GB"/>
           </a:p>
@@ -2352,7 +2357,7 @@
           <a:p>
             <a:fld id="{7450B37A-919D-449D-B939-57AE1785A504}" type="datetimeFigureOut">
               <a:rPr lang="en-GB" smtClean="0"/>
-              <a:t>07/12/2018</a:t>
+              <a:t>09/12/2018</a:t>
             </a:fld>
             <a:endParaRPr lang="en-GB"/>
           </a:p>
@@ -2565,7 +2570,7 @@
           <a:p>
             <a:fld id="{7450B37A-919D-449D-B939-57AE1785A504}" type="datetimeFigureOut">
               <a:rPr lang="en-GB" smtClean="0"/>
-              <a:t>07/12/2018</a:t>
+              <a:t>09/12/2018</a:t>
             </a:fld>
             <a:endParaRPr lang="en-GB"/>
           </a:p>
@@ -3176,7 +3181,7 @@
           <a:lstStyle/>
           <a:p>
             <a:r>
-              <a:rPr lang="en-GB" dirty="0" smtClean="0">
+              <a:rPr lang="en-GB" strike="sngStrike" dirty="0" smtClean="0">
                 <a:solidFill>
                   <a:schemeClr val="bg1"/>
                 </a:solidFill>
@@ -3186,7 +3191,7 @@
           </a:p>
           <a:p>
             <a:r>
-              <a:rPr lang="en-GB" dirty="0" smtClean="0">
+              <a:rPr lang="en-GB" strike="sngStrike" dirty="0" smtClean="0">
                 <a:solidFill>
                   <a:schemeClr val="bg1"/>
                 </a:solidFill>
@@ -3216,7 +3221,70 @@
                   <a:schemeClr val="bg1"/>
                 </a:solidFill>
               </a:rPr>
-              <a:t>Aiming for client-server, ended up with hybrid client-server</a:t>
+              <a:t>Hybrid client-server</a:t>
+            </a:r>
+          </a:p>
+          <a:p>
+            <a:pPr lvl="1"/>
+            <a:r>
+              <a:rPr lang="en-GB" dirty="0">
+                <a:solidFill>
+                  <a:schemeClr val="bg1"/>
+                </a:solidFill>
+              </a:rPr>
+              <a:t>Aiming for </a:t>
+            </a:r>
+            <a:r>
+              <a:rPr lang="en-GB" dirty="0" smtClean="0">
+                <a:solidFill>
+                  <a:schemeClr val="bg1"/>
+                </a:solidFill>
+              </a:rPr>
+              <a:t>client-server</a:t>
+            </a:r>
+          </a:p>
+          <a:p>
+            <a:pPr lvl="1"/>
+            <a:r>
+              <a:rPr lang="en-GB" dirty="0" smtClean="0">
+                <a:solidFill>
+                  <a:schemeClr val="bg1"/>
+                </a:solidFill>
+              </a:rPr>
+              <a:t>Better scalability</a:t>
+            </a:r>
+          </a:p>
+          <a:p>
+            <a:pPr lvl="2"/>
+            <a:r>
+              <a:rPr lang="en-GB" dirty="0" smtClean="0">
+                <a:solidFill>
+                  <a:schemeClr val="bg1"/>
+                </a:solidFill>
+              </a:rPr>
+              <a:t>P2P problems</a:t>
+            </a:r>
+          </a:p>
+          <a:p>
+            <a:pPr lvl="2"/>
+            <a:r>
+              <a:rPr lang="en-GB" dirty="0" smtClean="0">
+                <a:solidFill>
+                  <a:schemeClr val="bg1"/>
+                </a:solidFill>
+              </a:rPr>
+              <a:t>Have to elect new server host if old one drops out</a:t>
+            </a:r>
+          </a:p>
+          <a:p>
+            <a:pPr lvl="2"/>
+            <a:r>
+              <a:rPr lang="en-GB" dirty="0" smtClean="0">
+                <a:solidFill>
+                  <a:schemeClr val="bg1"/>
+                </a:solidFill>
+              </a:rPr>
+              <a:t>Server player has advantage</a:t>
             </a:r>
             <a:endParaRPr lang="en-GB" dirty="0">
               <a:solidFill>
@@ -3345,8 +3413,75 @@
                   <a:schemeClr val="bg1"/>
                 </a:solidFill>
               </a:rPr>
-              <a:t>Application layer protocols designed</a:t>
-            </a:r>
+              <a:t>Application layer protocols </a:t>
+            </a:r>
+            <a:r>
+              <a:rPr lang="en-GB" dirty="0" smtClean="0">
+                <a:solidFill>
+                  <a:schemeClr val="bg1"/>
+                </a:solidFill>
+              </a:rPr>
+              <a:t>designed</a:t>
+            </a:r>
+          </a:p>
+          <a:p>
+            <a:pPr lvl="1"/>
+            <a:r>
+              <a:rPr lang="en-GB" dirty="0" smtClean="0">
+                <a:solidFill>
+                  <a:schemeClr val="bg1"/>
+                </a:solidFill>
+              </a:rPr>
+              <a:t>Messages</a:t>
+            </a:r>
+          </a:p>
+          <a:p>
+            <a:pPr lvl="2"/>
+            <a:r>
+              <a:rPr lang="en-GB" dirty="0" err="1" smtClean="0">
+                <a:solidFill>
+                  <a:schemeClr val="bg1"/>
+                </a:solidFill>
+              </a:rPr>
+              <a:t>Enums</a:t>
+            </a:r>
+            <a:endParaRPr lang="en-GB" dirty="0" smtClean="0">
+              <a:solidFill>
+                <a:schemeClr val="bg1"/>
+              </a:solidFill>
+            </a:endParaRPr>
+          </a:p>
+          <a:p>
+            <a:pPr lvl="2"/>
+            <a:r>
+              <a:rPr lang="en-GB" dirty="0" err="1" smtClean="0">
+                <a:solidFill>
+                  <a:schemeClr val="bg1"/>
+                </a:solidFill>
+              </a:rPr>
+              <a:t>Boids</a:t>
+            </a:r>
+            <a:endParaRPr lang="en-GB" dirty="0" smtClean="0">
+              <a:solidFill>
+                <a:schemeClr val="bg1"/>
+              </a:solidFill>
+            </a:endParaRPr>
+          </a:p>
+          <a:p>
+            <a:pPr lvl="2"/>
+            <a:r>
+              <a:rPr lang="en-GB" dirty="0" smtClean="0">
+                <a:solidFill>
+                  <a:schemeClr val="bg1"/>
+                </a:solidFill>
+              </a:rPr>
+              <a:t>Obstacles</a:t>
+            </a:r>
+            <a:endParaRPr lang="en-GB" dirty="0" smtClean="0">
+              <a:solidFill>
+                <a:schemeClr val="bg1"/>
+              </a:solidFill>
+            </a:endParaRPr>
           </a:p>
           <a:p>
             <a:r>
@@ -3379,6 +3514,42 @@
               </a:rPr>
               <a:t>Speed</a:t>
             </a:r>
+          </a:p>
+          <a:p>
+            <a:pPr lvl="2"/>
+            <a:r>
+              <a:rPr lang="en-GB" dirty="0" smtClean="0">
+                <a:solidFill>
+                  <a:schemeClr val="bg1"/>
+                </a:solidFill>
+              </a:rPr>
+              <a:t>Connectionless</a:t>
+            </a:r>
+          </a:p>
+          <a:p>
+            <a:pPr lvl="2"/>
+            <a:r>
+              <a:rPr lang="en-GB" dirty="0" smtClean="0">
+                <a:solidFill>
+                  <a:schemeClr val="bg1"/>
+                </a:solidFill>
+              </a:rPr>
+              <a:t>One socket to talk to multiple</a:t>
+            </a:r>
+          </a:p>
+          <a:p>
+            <a:pPr lvl="2"/>
+            <a:r>
+              <a:rPr lang="en-GB" dirty="0" smtClean="0">
+                <a:solidFill>
+                  <a:schemeClr val="bg1"/>
+                </a:solidFill>
+              </a:rPr>
+              <a:t>Less overheard</a:t>
+            </a:r>
+          </a:p>
+          <a:p>
+            <a:pPr lvl="2"/>
             <a:endParaRPr lang="en-GB" dirty="0">
               <a:solidFill>
                 <a:schemeClr val="bg1"/>
@@ -3541,11 +3712,28 @@
               </a:rPr>
               <a:t>Packets</a:t>
             </a:r>
-            <a:endParaRPr lang="en-GB" dirty="0">
-              <a:solidFill>
-                <a:schemeClr val="bg1"/>
-              </a:solidFill>
-            </a:endParaRPr>
+          </a:p>
+          <a:p>
+            <a:pPr lvl="1"/>
+            <a:r>
+              <a:rPr lang="en-GB" dirty="0" smtClean="0">
+                <a:solidFill>
+                  <a:schemeClr val="bg1"/>
+                </a:solidFill>
+              </a:rPr>
+              <a:t>Better showcase vs Unreal/Unity</a:t>
+            </a:r>
+          </a:p>
+          <a:p>
+            <a:pPr lvl="2"/>
+            <a:r>
+              <a:rPr lang="en-GB" dirty="0" smtClean="0">
+                <a:solidFill>
+                  <a:schemeClr val="bg1"/>
+                </a:solidFill>
+              </a:rPr>
+              <a:t>Easier than WinSock</a:t>
+            </a:r>
           </a:p>
         </p:txBody>
       </p:sp>
@@ -3851,8 +4039,13 @@
                   <a:schemeClr val="bg1"/>
                 </a:solidFill>
               </a:rPr>
-              <a:t>Linear</a:t>
-            </a:r>
+              <a:t>Linear attempted</a:t>
+            </a:r>
+            <a:endParaRPr lang="en-GB" dirty="0" smtClean="0">
+              <a:solidFill>
+                <a:schemeClr val="bg1"/>
+              </a:solidFill>
+            </a:endParaRPr>
           </a:p>
           <a:p>
             <a:r>

--- a/SFMLNetworkingSim/CMP303 Presentation - Fraser Barker(1600196).pptx
+++ b/SFMLNetworkingSim/CMP303 Presentation - Fraser Barker(1600196).pptx
@@ -7,11 +7,13 @@
   <p:sldIdLst>
     <p:sldId id="256" r:id="rId2"/>
     <p:sldId id="257" r:id="rId3"/>
-    <p:sldId id="258" r:id="rId4"/>
-    <p:sldId id="259" r:id="rId5"/>
-    <p:sldId id="260" r:id="rId6"/>
-    <p:sldId id="261" r:id="rId7"/>
-    <p:sldId id="262" r:id="rId8"/>
+    <p:sldId id="264" r:id="rId4"/>
+    <p:sldId id="258" r:id="rId5"/>
+    <p:sldId id="259" r:id="rId6"/>
+    <p:sldId id="260" r:id="rId7"/>
+    <p:sldId id="261" r:id="rId8"/>
+    <p:sldId id="262" r:id="rId9"/>
+    <p:sldId id="263" r:id="rId10"/>
   </p:sldIdLst>
   <p:sldSz cx="12192000" cy="6858000"/>
   <p:notesSz cx="6858000" cy="9144000"/>
@@ -3155,7 +3157,7 @@
                   <a:schemeClr val="bg1"/>
                 </a:solidFill>
               </a:rPr>
-              <a:t>Architecture</a:t>
+              <a:t>Application</a:t>
             </a:r>
             <a:endParaRPr lang="en-GB" dirty="0">
               <a:solidFill>
@@ -3181,110 +3183,28 @@
           <a:lstStyle/>
           <a:p>
             <a:r>
-              <a:rPr lang="en-GB" strike="sngStrike" dirty="0" smtClean="0">
-                <a:solidFill>
-                  <a:schemeClr val="bg1"/>
-                </a:solidFill>
-              </a:rPr>
-              <a:t>Client-Server</a:t>
-            </a:r>
-          </a:p>
-          <a:p>
-            <a:r>
-              <a:rPr lang="en-GB" strike="sngStrike" dirty="0" smtClean="0">
-                <a:solidFill>
-                  <a:schemeClr val="bg1"/>
-                </a:solidFill>
-              </a:rPr>
-              <a:t>Peer-peer</a:t>
-            </a:r>
-          </a:p>
-          <a:p>
+              <a:rPr lang="en-GB" dirty="0" smtClean="0">
+                <a:solidFill>
+                  <a:schemeClr val="bg1"/>
+                </a:solidFill>
+              </a:rPr>
+              <a:t>Networked </a:t>
+            </a:r>
             <a:r>
               <a:rPr lang="en-GB" dirty="0" err="1" smtClean="0">
                 <a:solidFill>
                   <a:schemeClr val="bg1"/>
                 </a:solidFill>
               </a:rPr>
-              <a:t>Etc</a:t>
-            </a:r>
-            <a:endParaRPr lang="en-GB" dirty="0" smtClean="0">
-              <a:solidFill>
-                <a:schemeClr val="bg1"/>
-              </a:solidFill>
-            </a:endParaRPr>
-          </a:p>
-          <a:p>
-            <a:r>
-              <a:rPr lang="en-GB" dirty="0" smtClean="0">
-                <a:solidFill>
-                  <a:schemeClr val="bg1"/>
-                </a:solidFill>
-              </a:rPr>
-              <a:t>Hybrid client-server</a:t>
-            </a:r>
-          </a:p>
-          <a:p>
-            <a:pPr lvl="1"/>
-            <a:r>
-              <a:rPr lang="en-GB" dirty="0">
-                <a:solidFill>
-                  <a:schemeClr val="bg1"/>
-                </a:solidFill>
-              </a:rPr>
-              <a:t>Aiming for </a:t>
-            </a:r>
-            <a:r>
-              <a:rPr lang="en-GB" dirty="0" smtClean="0">
-                <a:solidFill>
-                  <a:schemeClr val="bg1"/>
-                </a:solidFill>
-              </a:rPr>
-              <a:t>client-server</a:t>
-            </a:r>
-          </a:p>
-          <a:p>
-            <a:pPr lvl="1"/>
-            <a:r>
-              <a:rPr lang="en-GB" dirty="0" smtClean="0">
-                <a:solidFill>
-                  <a:schemeClr val="bg1"/>
-                </a:solidFill>
-              </a:rPr>
-              <a:t>Better scalability</a:t>
-            </a:r>
-          </a:p>
-          <a:p>
-            <a:pPr lvl="2"/>
-            <a:r>
-              <a:rPr lang="en-GB" dirty="0" smtClean="0">
-                <a:solidFill>
-                  <a:schemeClr val="bg1"/>
-                </a:solidFill>
-              </a:rPr>
-              <a:t>P2P problems</a:t>
-            </a:r>
-          </a:p>
-          <a:p>
-            <a:pPr lvl="2"/>
-            <a:r>
-              <a:rPr lang="en-GB" dirty="0" smtClean="0">
-                <a:solidFill>
-                  <a:schemeClr val="bg1"/>
-                </a:solidFill>
-              </a:rPr>
-              <a:t>Have to elect new server host if old one drops out</a:t>
-            </a:r>
-          </a:p>
-          <a:p>
-            <a:pPr lvl="2"/>
-            <a:r>
-              <a:rPr lang="en-GB" dirty="0" smtClean="0">
-                <a:solidFill>
-                  <a:schemeClr val="bg1"/>
-                </a:solidFill>
-              </a:rPr>
-              <a:t>Server player has advantage</a:t>
+              <a:t>Boid</a:t>
+            </a:r>
+            <a:r>
+              <a:rPr lang="en-GB" dirty="0" smtClean="0">
+                <a:solidFill>
+                  <a:schemeClr val="bg1"/>
+                </a:solidFill>
+              </a:rPr>
+              <a:t> simulation</a:t>
             </a:r>
             <a:endParaRPr lang="en-GB" dirty="0">
               <a:solidFill>
@@ -3382,7 +3302,7 @@
                   <a:schemeClr val="bg1"/>
                 </a:solidFill>
               </a:rPr>
-              <a:t>Protocols</a:t>
+              <a:t>Architecture</a:t>
             </a:r>
             <a:endParaRPr lang="en-GB" dirty="0">
               <a:solidFill>
@@ -3408,42 +3328,22 @@
           <a:lstStyle/>
           <a:p>
             <a:r>
-              <a:rPr lang="en-GB" dirty="0" smtClean="0">
-                <a:solidFill>
-                  <a:schemeClr val="bg1"/>
-                </a:solidFill>
-              </a:rPr>
-              <a:t>Application layer protocols </a:t>
-            </a:r>
-            <a:r>
-              <a:rPr lang="en-GB" dirty="0" smtClean="0">
-                <a:solidFill>
-                  <a:schemeClr val="bg1"/>
-                </a:solidFill>
-              </a:rPr>
-              <a:t>designed</a:t>
-            </a:r>
-          </a:p>
-          <a:p>
-            <a:pPr lvl="1"/>
-            <a:r>
-              <a:rPr lang="en-GB" dirty="0" smtClean="0">
-                <a:solidFill>
-                  <a:schemeClr val="bg1"/>
-                </a:solidFill>
-              </a:rPr>
-              <a:t>Messages</a:t>
-            </a:r>
-          </a:p>
-          <a:p>
-            <a:pPr lvl="2"/>
-            <a:r>
-              <a:rPr lang="en-GB" dirty="0" err="1" smtClean="0">
-                <a:solidFill>
-                  <a:schemeClr val="bg1"/>
-                </a:solidFill>
-              </a:rPr>
-              <a:t>Enums</a:t>
+              <a:rPr lang="en-GB" strike="sngStrike" dirty="0" smtClean="0">
+                <a:solidFill>
+                  <a:schemeClr val="bg1"/>
+                </a:solidFill>
+              </a:rPr>
+              <a:t>Client-Server</a:t>
+            </a:r>
+          </a:p>
+          <a:p>
+            <a:r>
+              <a:rPr lang="en-GB" strike="sngStrike" dirty="0" smtClean="0">
+                <a:solidFill>
+                  <a:schemeClr val="bg1"/>
+                </a:solidFill>
+              </a:rPr>
+              <a:t>Peer-peer</a:t>
             </a:r>
             <a:endParaRPr lang="en-GB" dirty="0" smtClean="0">
               <a:solidFill>
@@ -3452,20 +3352,55 @@
             </a:endParaRPr>
           </a:p>
           <a:p>
+            <a:r>
+              <a:rPr lang="en-GB" dirty="0" smtClean="0">
+                <a:solidFill>
+                  <a:schemeClr val="bg1"/>
+                </a:solidFill>
+              </a:rPr>
+              <a:t>Hybrid client-server</a:t>
+            </a:r>
+          </a:p>
+          <a:p>
+            <a:pPr lvl="1"/>
+            <a:r>
+              <a:rPr lang="en-GB" dirty="0">
+                <a:solidFill>
+                  <a:schemeClr val="bg1"/>
+                </a:solidFill>
+              </a:rPr>
+              <a:t>Aiming for </a:t>
+            </a:r>
+            <a:r>
+              <a:rPr lang="en-GB" dirty="0" smtClean="0">
+                <a:solidFill>
+                  <a:schemeClr val="bg1"/>
+                </a:solidFill>
+              </a:rPr>
+              <a:t>client-server</a:t>
+            </a:r>
+          </a:p>
+          <a:p>
+            <a:pPr lvl="1"/>
+            <a:r>
+              <a:rPr lang="en-GB" dirty="0" smtClean="0">
+                <a:solidFill>
+                  <a:schemeClr val="bg1"/>
+                </a:solidFill>
+              </a:rPr>
+              <a:t>Better scalability</a:t>
+            </a:r>
+          </a:p>
+          <a:p>
             <a:pPr lvl="2"/>
             <a:r>
-              <a:rPr lang="en-GB" dirty="0" err="1" smtClean="0">
-                <a:solidFill>
-                  <a:schemeClr val="bg1"/>
-                </a:solidFill>
-              </a:rPr>
-              <a:t>Boids</a:t>
-            </a:r>
-            <a:endParaRPr lang="en-GB" dirty="0" smtClean="0">
-              <a:solidFill>
-                <a:schemeClr val="bg1"/>
-              </a:solidFill>
-            </a:endParaRPr>
+              <a:rPr lang="en-GB" dirty="0" smtClean="0">
+                <a:solidFill>
+                  <a:schemeClr val="bg1"/>
+                </a:solidFill>
+              </a:rPr>
+              <a:t>P2P problems</a:t>
+            </a:r>
           </a:p>
           <a:p>
             <a:pPr lvl="2"/>
@@ -3475,33 +3410,7 @@
                   <a:schemeClr val="bg1"/>
                 </a:solidFill>
               </a:rPr>
-              <a:t>Obstacles</a:t>
-            </a:r>
-            <a:endParaRPr lang="en-GB" dirty="0" smtClean="0">
-              <a:solidFill>
-                <a:schemeClr val="bg1"/>
-              </a:solidFill>
-            </a:endParaRPr>
-          </a:p>
-          <a:p>
-            <a:r>
-              <a:rPr lang="en-GB" dirty="0" smtClean="0">
-                <a:solidFill>
-                  <a:schemeClr val="bg1"/>
-                </a:solidFill>
-              </a:rPr>
-              <a:t>Transport layer protocols chosen</a:t>
-            </a:r>
-          </a:p>
-          <a:p>
-            <a:pPr lvl="1"/>
-            <a:r>
-              <a:rPr lang="en-GB" dirty="0" smtClean="0">
-                <a:solidFill>
-                  <a:schemeClr val="bg1"/>
-                </a:solidFill>
-              </a:rPr>
-              <a:t>UDP</a:t>
+              <a:t>Have to elect new server host if old one drops out</a:t>
             </a:r>
           </a:p>
           <a:p>
@@ -3512,44 +3421,8 @@
                   <a:schemeClr val="bg1"/>
                 </a:solidFill>
               </a:rPr>
-              <a:t>Speed</a:t>
-            </a:r>
-          </a:p>
-          <a:p>
-            <a:pPr lvl="2"/>
-            <a:r>
-              <a:rPr lang="en-GB" dirty="0" smtClean="0">
-                <a:solidFill>
-                  <a:schemeClr val="bg1"/>
-                </a:solidFill>
-              </a:rPr>
-              <a:t>Connectionless</a:t>
-            </a:r>
-          </a:p>
-          <a:p>
-            <a:pPr lvl="2"/>
-            <a:r>
-              <a:rPr lang="en-GB" dirty="0" smtClean="0">
-                <a:solidFill>
-                  <a:schemeClr val="bg1"/>
-                </a:solidFill>
-              </a:rPr>
-              <a:t>One socket to talk to multiple</a:t>
-            </a:r>
-          </a:p>
-          <a:p>
-            <a:pPr lvl="2"/>
-            <a:r>
-              <a:rPr lang="en-GB" dirty="0" smtClean="0">
-                <a:solidFill>
-                  <a:schemeClr val="bg1"/>
-                </a:solidFill>
-              </a:rPr>
-              <a:t>Less overheard</a:t>
-            </a:r>
-          </a:p>
-          <a:p>
-            <a:pPr lvl="2"/>
+              <a:t>Server player has advantage</a:t>
+            </a:r>
             <a:endParaRPr lang="en-GB" dirty="0">
               <a:solidFill>
                 <a:schemeClr val="bg1"/>
@@ -3561,7 +3434,7 @@
     </p:spTree>
     <p:extLst>
       <p:ext uri="{BB962C8B-B14F-4D97-AF65-F5344CB8AC3E}">
-        <p14:creationId xmlns:p14="http://schemas.microsoft.com/office/powerpoint/2010/main" val="1474250226"/>
+        <p14:creationId xmlns:p14="http://schemas.microsoft.com/office/powerpoint/2010/main" val="1429578898"/>
       </p:ext>
     </p:extLst>
   </p:cSld>
@@ -3646,7 +3519,7 @@
                   <a:schemeClr val="bg1"/>
                 </a:solidFill>
               </a:rPr>
-              <a:t>Network API</a:t>
+              <a:t>Protocols</a:t>
             </a:r>
             <a:endParaRPr lang="en-GB" dirty="0">
               <a:solidFill>
@@ -3677,7 +3550,15 @@
                   <a:schemeClr val="bg1"/>
                 </a:solidFill>
               </a:rPr>
-              <a:t>SFML</a:t>
+              <a:t>Application layer protocols </a:t>
+            </a:r>
+            <a:r>
+              <a:rPr lang="en-GB" dirty="0" smtClean="0">
+                <a:solidFill>
+                  <a:schemeClr val="bg1"/>
+                </a:solidFill>
+              </a:rPr>
+              <a:t>designed</a:t>
             </a:r>
           </a:p>
           <a:p>
@@ -3688,7 +3569,65 @@
                   <a:schemeClr val="bg1"/>
                 </a:solidFill>
               </a:rPr>
-              <a:t>Familiarity</a:t>
+              <a:t>Messages</a:t>
+            </a:r>
+          </a:p>
+          <a:p>
+            <a:pPr lvl="2"/>
+            <a:r>
+              <a:rPr lang="en-GB" dirty="0" err="1" smtClean="0">
+                <a:solidFill>
+                  <a:schemeClr val="bg1"/>
+                </a:solidFill>
+              </a:rPr>
+              <a:t>Enums</a:t>
+            </a:r>
+            <a:endParaRPr lang="en-GB" dirty="0" smtClean="0">
+              <a:solidFill>
+                <a:schemeClr val="bg1"/>
+              </a:solidFill>
+            </a:endParaRPr>
+          </a:p>
+          <a:p>
+            <a:pPr lvl="2"/>
+            <a:r>
+              <a:rPr lang="en-GB" dirty="0" err="1" smtClean="0">
+                <a:solidFill>
+                  <a:schemeClr val="bg1"/>
+                </a:solidFill>
+              </a:rPr>
+              <a:t>Boids</a:t>
+            </a:r>
+            <a:endParaRPr lang="en-GB" dirty="0" smtClean="0">
+              <a:solidFill>
+                <a:schemeClr val="bg1"/>
+              </a:solidFill>
+            </a:endParaRPr>
+          </a:p>
+          <a:p>
+            <a:pPr lvl="2"/>
+            <a:r>
+              <a:rPr lang="en-GB" dirty="0" smtClean="0">
+                <a:solidFill>
+                  <a:schemeClr val="bg1"/>
+                </a:solidFill>
+              </a:rPr>
+              <a:t>Obstacles</a:t>
+            </a:r>
+            <a:endParaRPr lang="en-GB" dirty="0" smtClean="0">
+              <a:solidFill>
+                <a:schemeClr val="bg1"/>
+              </a:solidFill>
+            </a:endParaRPr>
+          </a:p>
+          <a:p>
+            <a:r>
+              <a:rPr lang="en-GB" dirty="0" smtClean="0">
+                <a:solidFill>
+                  <a:schemeClr val="bg1"/>
+                </a:solidFill>
+              </a:rPr>
+              <a:t>Transport layer protocols chosen</a:t>
             </a:r>
           </a:p>
           <a:p>
@@ -3699,7 +3638,7 @@
                   <a:schemeClr val="bg1"/>
                 </a:solidFill>
               </a:rPr>
-              <a:t>Ease of networking</a:t>
+              <a:t>UDP</a:t>
             </a:r>
           </a:p>
           <a:p>
@@ -3710,18 +3649,7 @@
                   <a:schemeClr val="bg1"/>
                 </a:solidFill>
               </a:rPr>
-              <a:t>Packets</a:t>
-            </a:r>
-          </a:p>
-          <a:p>
-            <a:pPr lvl="1"/>
-            <a:r>
-              <a:rPr lang="en-GB" dirty="0" smtClean="0">
-                <a:solidFill>
-                  <a:schemeClr val="bg1"/>
-                </a:solidFill>
-              </a:rPr>
-              <a:t>Better showcase vs Unreal/Unity</a:t>
+              <a:t>Speed</a:t>
             </a:r>
           </a:p>
           <a:p>
@@ -3732,15 +3660,45 @@
                   <a:schemeClr val="bg1"/>
                 </a:solidFill>
               </a:rPr>
-              <a:t>Easier than WinSock</a:t>
-            </a:r>
+              <a:t>Connectionless</a:t>
+            </a:r>
+          </a:p>
+          <a:p>
+            <a:pPr lvl="2"/>
+            <a:r>
+              <a:rPr lang="en-GB" dirty="0" smtClean="0">
+                <a:solidFill>
+                  <a:schemeClr val="bg1"/>
+                </a:solidFill>
+              </a:rPr>
+              <a:t>One socket to talk to multiple</a:t>
+            </a:r>
+          </a:p>
+          <a:p>
+            <a:pPr lvl="2"/>
+            <a:r>
+              <a:rPr lang="en-GB" dirty="0" smtClean="0">
+                <a:solidFill>
+                  <a:schemeClr val="bg1"/>
+                </a:solidFill>
+              </a:rPr>
+              <a:t>Less overheard</a:t>
+            </a:r>
+          </a:p>
+          <a:p>
+            <a:pPr lvl="2"/>
+            <a:endParaRPr lang="en-GB" dirty="0">
+              <a:solidFill>
+                <a:schemeClr val="bg1"/>
+              </a:solidFill>
+            </a:endParaRPr>
           </a:p>
         </p:txBody>
       </p:sp>
     </p:spTree>
     <p:extLst>
       <p:ext uri="{BB962C8B-B14F-4D97-AF65-F5344CB8AC3E}">
-        <p14:creationId xmlns:p14="http://schemas.microsoft.com/office/powerpoint/2010/main" val="2112794148"/>
+        <p14:creationId xmlns:p14="http://schemas.microsoft.com/office/powerpoint/2010/main" val="1474250226"/>
       </p:ext>
     </p:extLst>
   </p:cSld>
@@ -3825,7 +3783,7 @@
                   <a:schemeClr val="bg1"/>
                 </a:solidFill>
               </a:rPr>
-              <a:t>Structure</a:t>
+              <a:t>Network API</a:t>
             </a:r>
             <a:endParaRPr lang="en-GB" dirty="0">
               <a:solidFill>
@@ -3856,17 +3814,7 @@
                   <a:schemeClr val="bg1"/>
                 </a:solidFill>
               </a:rPr>
-              <a:t>E.g. using asynchronous IO</a:t>
-            </a:r>
-          </a:p>
-          <a:p>
-            <a:r>
-              <a:rPr lang="en-GB" dirty="0" smtClean="0">
-                <a:solidFill>
-                  <a:schemeClr val="bg1"/>
-                </a:solidFill>
-              </a:rPr>
-              <a:t>Non-blocking</a:t>
+              <a:t>SFML</a:t>
             </a:r>
           </a:p>
           <a:p>
@@ -3877,7 +3825,7 @@
                   <a:schemeClr val="bg1"/>
                 </a:solidFill>
               </a:rPr>
-              <a:t>Rendering</a:t>
+              <a:t>Familiarity</a:t>
             </a:r>
           </a:p>
           <a:p>
@@ -3888,7 +3836,18 @@
                   <a:schemeClr val="bg1"/>
                 </a:solidFill>
               </a:rPr>
-              <a:t>Calculating</a:t>
+              <a:t>Ease of networking</a:t>
+            </a:r>
+          </a:p>
+          <a:p>
+            <a:pPr lvl="2"/>
+            <a:r>
+              <a:rPr lang="en-GB" dirty="0" smtClean="0">
+                <a:solidFill>
+                  <a:schemeClr val="bg1"/>
+                </a:solidFill>
+              </a:rPr>
+              <a:t>Packets</a:t>
             </a:r>
           </a:p>
           <a:p>
@@ -3899,20 +3858,26 @@
                   <a:schemeClr val="bg1"/>
                 </a:solidFill>
               </a:rPr>
-              <a:t>Sending/Receiving</a:t>
-            </a:r>
-            <a:endParaRPr lang="en-GB" dirty="0">
-              <a:solidFill>
-                <a:schemeClr val="bg1"/>
-              </a:solidFill>
-            </a:endParaRPr>
+              <a:t>Better showcase vs Unreal/Unity</a:t>
+            </a:r>
+          </a:p>
+          <a:p>
+            <a:pPr lvl="2"/>
+            <a:r>
+              <a:rPr lang="en-GB" dirty="0" smtClean="0">
+                <a:solidFill>
+                  <a:schemeClr val="bg1"/>
+                </a:solidFill>
+              </a:rPr>
+              <a:t>Easier than WinSock</a:t>
+            </a:r>
           </a:p>
         </p:txBody>
       </p:sp>
     </p:spTree>
     <p:extLst>
       <p:ext uri="{BB962C8B-B14F-4D97-AF65-F5344CB8AC3E}">
-        <p14:creationId xmlns:p14="http://schemas.microsoft.com/office/powerpoint/2010/main" val="4169145451"/>
+        <p14:creationId xmlns:p14="http://schemas.microsoft.com/office/powerpoint/2010/main" val="2112794148"/>
       </p:ext>
     </p:extLst>
   </p:cSld>
@@ -3997,7 +3962,7 @@
                   <a:schemeClr val="bg1"/>
                 </a:solidFill>
               </a:rPr>
-              <a:t>Prediction/Interpolation</a:t>
+              <a:t>Structure</a:t>
             </a:r>
             <a:endParaRPr lang="en-GB" dirty="0">
               <a:solidFill>
@@ -4028,7 +3993,17 @@
                   <a:schemeClr val="bg1"/>
                 </a:solidFill>
               </a:rPr>
-              <a:t>Linear vs Quadratic</a:t>
+              <a:t>E.g. using asynchronous IO</a:t>
+            </a:r>
+          </a:p>
+          <a:p>
+            <a:r>
+              <a:rPr lang="en-GB" dirty="0" smtClean="0">
+                <a:solidFill>
+                  <a:schemeClr val="bg1"/>
+                </a:solidFill>
+              </a:rPr>
+              <a:t>Non-blocking</a:t>
             </a:r>
           </a:p>
           <a:p>
@@ -4039,30 +4014,7 @@
                   <a:schemeClr val="bg1"/>
                 </a:solidFill>
               </a:rPr>
-              <a:t>Linear attempted</a:t>
-            </a:r>
-            <a:endParaRPr lang="en-GB" dirty="0" smtClean="0">
-              <a:solidFill>
-                <a:schemeClr val="bg1"/>
-              </a:solidFill>
-            </a:endParaRPr>
-          </a:p>
-          <a:p>
-            <a:r>
-              <a:rPr lang="en-GB" dirty="0" err="1" smtClean="0">
-                <a:solidFill>
-                  <a:schemeClr val="bg1"/>
-                </a:solidFill>
-              </a:rPr>
-              <a:t>Boid</a:t>
-            </a:r>
-            <a:r>
-              <a:rPr lang="en-GB" dirty="0" smtClean="0">
-                <a:solidFill>
-                  <a:schemeClr val="bg1"/>
-                </a:solidFill>
-              </a:rPr>
-              <a:t> update</a:t>
+              <a:t>Rendering</a:t>
             </a:r>
           </a:p>
           <a:p>
@@ -4073,23 +4025,7 @@
                   <a:schemeClr val="bg1"/>
                 </a:solidFill>
               </a:rPr>
-              <a:t>Recalculating </a:t>
-            </a:r>
-            <a:r>
-              <a:rPr lang="en-GB" dirty="0" err="1" smtClean="0">
-                <a:solidFill>
-                  <a:schemeClr val="bg1"/>
-                </a:solidFill>
-              </a:rPr>
-              <a:t>pos</a:t>
-            </a:r>
-            <a:r>
-              <a:rPr lang="en-GB" dirty="0" smtClean="0">
-                <a:solidFill>
-                  <a:schemeClr val="bg1"/>
-                </a:solidFill>
-              </a:rPr>
-              <a:t> every frame</a:t>
+              <a:t>Calculating</a:t>
             </a:r>
           </a:p>
           <a:p>
@@ -4100,7 +4036,7 @@
                   <a:schemeClr val="bg1"/>
                 </a:solidFill>
               </a:rPr>
-              <a:t>Prediction needed?</a:t>
+              <a:t>Sending/Receiving</a:t>
             </a:r>
             <a:endParaRPr lang="en-GB" dirty="0">
               <a:solidFill>
@@ -4113,7 +4049,7 @@
     </p:spTree>
     <p:extLst>
       <p:ext uri="{BB962C8B-B14F-4D97-AF65-F5344CB8AC3E}">
-        <p14:creationId xmlns:p14="http://schemas.microsoft.com/office/powerpoint/2010/main" val="1800046378"/>
+        <p14:creationId xmlns:p14="http://schemas.microsoft.com/office/powerpoint/2010/main" val="4169145451"/>
       </p:ext>
     </p:extLst>
   </p:cSld>
@@ -4198,7 +4134,7 @@
                   <a:schemeClr val="bg1"/>
                 </a:solidFill>
               </a:rPr>
-              <a:t>Critical Discussion</a:t>
+              <a:t>Prediction/Interpolation</a:t>
             </a:r>
             <a:endParaRPr lang="en-GB" dirty="0">
               <a:solidFill>
@@ -4229,55 +4165,18 @@
                   <a:schemeClr val="bg1"/>
                 </a:solidFill>
               </a:rPr>
-              <a:t>Use TCP for connection/disconnection</a:t>
-            </a:r>
-          </a:p>
-          <a:p>
-            <a:r>
-              <a:rPr lang="en-GB" dirty="0" smtClean="0">
-                <a:solidFill>
-                  <a:schemeClr val="bg1"/>
-                </a:solidFill>
-              </a:rPr>
-              <a:t>Improve/add prediction</a:t>
-            </a:r>
-          </a:p>
-          <a:p>
-            <a:r>
-              <a:rPr lang="en-GB" dirty="0" smtClean="0">
-                <a:solidFill>
-                  <a:schemeClr val="bg1"/>
-                </a:solidFill>
-              </a:rPr>
-              <a:t>More controls</a:t>
-            </a:r>
-          </a:p>
-          <a:p>
-            <a:r>
-              <a:rPr lang="en-GB" dirty="0" smtClean="0">
-                <a:solidFill>
-                  <a:schemeClr val="bg1"/>
-                </a:solidFill>
-              </a:rPr>
-              <a:t>Reflect on all slides</a:t>
-            </a:r>
-          </a:p>
-          <a:p>
-            <a:r>
-              <a:rPr lang="en-GB" dirty="0" smtClean="0">
-                <a:solidFill>
-                  <a:schemeClr val="bg1"/>
-                </a:solidFill>
-              </a:rPr>
-              <a:t>Sf::</a:t>
-            </a:r>
-            <a:r>
-              <a:rPr lang="en-GB" dirty="0" err="1" smtClean="0">
-                <a:solidFill>
-                  <a:schemeClr val="bg1"/>
-                </a:solidFill>
-              </a:rPr>
-              <a:t>Int</a:t>
+              <a:t>Linear vs Quadratic</a:t>
+            </a:r>
+          </a:p>
+          <a:p>
+            <a:pPr lvl="1"/>
+            <a:r>
+              <a:rPr lang="en-GB" dirty="0" smtClean="0">
+                <a:solidFill>
+                  <a:schemeClr val="bg1"/>
+                </a:solidFill>
+              </a:rPr>
+              <a:t>Linear attempted</a:t>
             </a:r>
             <a:endParaRPr lang="en-GB" dirty="0" smtClean="0">
               <a:solidFill>
@@ -4287,12 +4186,20 @@
           </a:p>
           <a:p>
             <a:r>
-              <a:rPr lang="en-GB" dirty="0" smtClean="0">
-                <a:solidFill>
-                  <a:schemeClr val="bg1"/>
-                </a:solidFill>
-              </a:rPr>
-              <a:t>Clumsy Testing</a:t>
+              <a:rPr lang="en-GB" dirty="0" err="1" smtClean="0">
+                <a:solidFill>
+                  <a:schemeClr val="bg1"/>
+                </a:solidFill>
+              </a:rPr>
+              <a:t>Boid</a:t>
+            </a:r>
+            <a:r>
+              <a:rPr lang="en-GB" dirty="0" smtClean="0">
+                <a:solidFill>
+                  <a:schemeClr val="bg1"/>
+                </a:solidFill>
+              </a:rPr>
+              <a:t> update</a:t>
             </a:r>
           </a:p>
           <a:p>
@@ -4303,7 +4210,7 @@
                   <a:schemeClr val="bg1"/>
                 </a:solidFill>
               </a:rPr>
-              <a:t>Max players </a:t>
+              <a:t>Recalculating </a:t>
             </a:r>
             <a:r>
               <a:rPr lang="en-GB" dirty="0" err="1" smtClean="0">
@@ -4311,7 +4218,26 @@
                   <a:schemeClr val="bg1"/>
                 </a:solidFill>
               </a:rPr>
-              <a:t>etc</a:t>
+              <a:t>pos</a:t>
+            </a:r>
+            <a:r>
+              <a:rPr lang="en-GB" dirty="0" smtClean="0">
+                <a:solidFill>
+                  <a:schemeClr val="bg1"/>
+                </a:solidFill>
+              </a:rPr>
+              <a:t> every frame</a:t>
+            </a:r>
+          </a:p>
+          <a:p>
+            <a:pPr lvl="1"/>
+            <a:r>
+              <a:rPr lang="en-GB" dirty="0" smtClean="0">
+                <a:solidFill>
+                  <a:schemeClr val="bg1"/>
+                </a:solidFill>
+              </a:rPr>
+              <a:t>Prediction needed?</a:t>
             </a:r>
             <a:endParaRPr lang="en-GB" dirty="0">
               <a:solidFill>
@@ -4324,7 +4250,362 @@
     </p:spTree>
     <p:extLst>
       <p:ext uri="{BB962C8B-B14F-4D97-AF65-F5344CB8AC3E}">
+        <p14:creationId xmlns:p14="http://schemas.microsoft.com/office/powerpoint/2010/main" val="1800046378"/>
+      </p:ext>
+    </p:extLst>
+  </p:cSld>
+  <p:clrMapOvr>
+    <a:masterClrMapping/>
+  </p:clrMapOvr>
+  <p:timing>
+    <p:tnLst>
+      <p:par>
+        <p:cTn id="1" dur="indefinite" restart="never" nodeType="tmRoot"/>
+      </p:par>
+    </p:tnLst>
+  </p:timing>
+</p:sld>
+</file>
+
+<file path=ppt/slides/slide8.xml><?xml version="1.0" encoding="utf-8"?>
+<p:sld xmlns:a="http://schemas.openxmlformats.org/drawingml/2006/main" xmlns:r="http://schemas.openxmlformats.org/officeDocument/2006/relationships" xmlns:p="http://schemas.openxmlformats.org/presentationml/2006/main">
+  <p:cSld>
+    <p:spTree>
+      <p:nvGrpSpPr>
+        <p:cNvPr id="1" name=""/>
+        <p:cNvGrpSpPr/>
+        <p:nvPr/>
+      </p:nvGrpSpPr>
+      <p:grpSpPr>
+        <a:xfrm>
+          <a:off x="0" y="0"/>
+          <a:ext cx="0" cy="0"/>
+          <a:chOff x="0" y="0"/>
+          <a:chExt cx="0" cy="0"/>
+        </a:xfrm>
+      </p:grpSpPr>
+      <p:pic>
+        <p:nvPicPr>
+          <p:cNvPr id="4" name="Picture 3"/>
+          <p:cNvPicPr>
+            <a:picLocks noChangeAspect="1"/>
+          </p:cNvPicPr>
+          <p:nvPr/>
+        </p:nvPicPr>
+        <p:blipFill>
+          <a:blip r:embed="rId2">
+            <a:extLst>
+              <a:ext uri="{28A0092B-C50C-407E-A947-70E740481C1C}">
+                <a14:useLocalDpi xmlns:a14="http://schemas.microsoft.com/office/drawing/2010/main" val="0"/>
+              </a:ext>
+            </a:extLst>
+          </a:blip>
+          <a:stretch>
+            <a:fillRect/>
+          </a:stretch>
+        </p:blipFill>
+        <p:spPr>
+          <a:xfrm>
+            <a:off x="-1" y="0"/>
+            <a:ext cx="12206531" cy="6858000"/>
+          </a:xfrm>
+          <a:prstGeom prst="rect">
+            <a:avLst/>
+          </a:prstGeom>
+        </p:spPr>
+      </p:pic>
+      <p:sp>
+        <p:nvSpPr>
+          <p:cNvPr id="2" name="Title 1"/>
+          <p:cNvSpPr>
+            <a:spLocks noGrp="1"/>
+          </p:cNvSpPr>
+          <p:nvPr>
+            <p:ph type="title"/>
+          </p:nvPr>
+        </p:nvSpPr>
+        <p:spPr/>
+        <p:txBody>
+          <a:bodyPr/>
+          <a:lstStyle/>
+          <a:p>
+            <a:r>
+              <a:rPr lang="en-GB" dirty="0" smtClean="0">
+                <a:solidFill>
+                  <a:schemeClr val="bg1"/>
+                </a:solidFill>
+              </a:rPr>
+              <a:t>Critical Discussion</a:t>
+            </a:r>
+            <a:endParaRPr lang="en-GB" dirty="0">
+              <a:solidFill>
+                <a:schemeClr val="bg1"/>
+              </a:solidFill>
+            </a:endParaRPr>
+          </a:p>
+        </p:txBody>
+      </p:sp>
+      <p:sp>
+        <p:nvSpPr>
+          <p:cNvPr id="3" name="Content Placeholder 2"/>
+          <p:cNvSpPr>
+            <a:spLocks noGrp="1"/>
+          </p:cNvSpPr>
+          <p:nvPr>
+            <p:ph idx="1"/>
+          </p:nvPr>
+        </p:nvSpPr>
+        <p:spPr/>
+        <p:txBody>
+          <a:bodyPr/>
+          <a:lstStyle/>
+          <a:p>
+            <a:r>
+              <a:rPr lang="en-GB" dirty="0" smtClean="0">
+                <a:solidFill>
+                  <a:schemeClr val="bg1"/>
+                </a:solidFill>
+              </a:rPr>
+              <a:t>Use TCP for connection/disconnection</a:t>
+            </a:r>
+          </a:p>
+          <a:p>
+            <a:r>
+              <a:rPr lang="en-GB" dirty="0" smtClean="0">
+                <a:solidFill>
+                  <a:schemeClr val="bg1"/>
+                </a:solidFill>
+              </a:rPr>
+              <a:t>Improve/add prediction</a:t>
+            </a:r>
+          </a:p>
+          <a:p>
+            <a:r>
+              <a:rPr lang="en-GB" dirty="0" smtClean="0">
+                <a:solidFill>
+                  <a:schemeClr val="bg1"/>
+                </a:solidFill>
+              </a:rPr>
+              <a:t>More controls</a:t>
+            </a:r>
+          </a:p>
+          <a:p>
+            <a:r>
+              <a:rPr lang="en-GB" dirty="0" smtClean="0">
+                <a:solidFill>
+                  <a:schemeClr val="bg1"/>
+                </a:solidFill>
+              </a:rPr>
+              <a:t>Reflect on all slides</a:t>
+            </a:r>
+          </a:p>
+          <a:p>
+            <a:r>
+              <a:rPr lang="en-GB" dirty="0" smtClean="0">
+                <a:solidFill>
+                  <a:schemeClr val="bg1"/>
+                </a:solidFill>
+              </a:rPr>
+              <a:t>Sf::</a:t>
+            </a:r>
+            <a:r>
+              <a:rPr lang="en-GB" dirty="0" err="1" smtClean="0">
+                <a:solidFill>
+                  <a:schemeClr val="bg1"/>
+                </a:solidFill>
+              </a:rPr>
+              <a:t>Int</a:t>
+            </a:r>
+            <a:endParaRPr lang="en-GB" dirty="0" smtClean="0">
+              <a:solidFill>
+                <a:schemeClr val="bg1"/>
+              </a:solidFill>
+            </a:endParaRPr>
+          </a:p>
+          <a:p>
+            <a:r>
+              <a:rPr lang="en-GB" dirty="0" smtClean="0">
+                <a:solidFill>
+                  <a:schemeClr val="bg1"/>
+                </a:solidFill>
+              </a:rPr>
+              <a:t>Clumsy Testing</a:t>
+            </a:r>
+          </a:p>
+          <a:p>
+            <a:pPr lvl="1"/>
+            <a:r>
+              <a:rPr lang="en-GB" dirty="0" smtClean="0">
+                <a:solidFill>
+                  <a:schemeClr val="bg1"/>
+                </a:solidFill>
+              </a:rPr>
+              <a:t>Max players </a:t>
+            </a:r>
+            <a:r>
+              <a:rPr lang="en-GB" dirty="0" err="1" smtClean="0">
+                <a:solidFill>
+                  <a:schemeClr val="bg1"/>
+                </a:solidFill>
+              </a:rPr>
+              <a:t>etc</a:t>
+            </a:r>
+            <a:endParaRPr lang="en-GB" dirty="0" smtClean="0">
+              <a:solidFill>
+                <a:schemeClr val="bg1"/>
+              </a:solidFill>
+            </a:endParaRPr>
+          </a:p>
+          <a:p>
+            <a:pPr lvl="1"/>
+            <a:r>
+              <a:rPr lang="en-GB" dirty="0" smtClean="0">
+                <a:solidFill>
+                  <a:schemeClr val="bg1"/>
+                </a:solidFill>
+              </a:rPr>
+              <a:t>Max latency</a:t>
+            </a:r>
+          </a:p>
+          <a:p>
+            <a:pPr lvl="1"/>
+            <a:r>
+              <a:rPr lang="en-GB" dirty="0" smtClean="0">
+                <a:solidFill>
+                  <a:schemeClr val="bg1"/>
+                </a:solidFill>
+              </a:rPr>
+              <a:t>Packet loss</a:t>
+            </a:r>
+            <a:endParaRPr lang="en-GB" dirty="0">
+              <a:solidFill>
+                <a:schemeClr val="bg1"/>
+              </a:solidFill>
+            </a:endParaRPr>
+          </a:p>
+        </p:txBody>
+      </p:sp>
+    </p:spTree>
+    <p:extLst>
+      <p:ext uri="{BB962C8B-B14F-4D97-AF65-F5344CB8AC3E}">
         <p14:creationId xmlns:p14="http://schemas.microsoft.com/office/powerpoint/2010/main" val="1583276129"/>
+      </p:ext>
+    </p:extLst>
+  </p:cSld>
+  <p:clrMapOvr>
+    <a:masterClrMapping/>
+  </p:clrMapOvr>
+  <p:timing>
+    <p:tnLst>
+      <p:par>
+        <p:cTn id="1" dur="indefinite" restart="never" nodeType="tmRoot"/>
+      </p:par>
+    </p:tnLst>
+  </p:timing>
+</p:sld>
+</file>
+
+<file path=ppt/slides/slide9.xml><?xml version="1.0" encoding="utf-8"?>
+<p:sld xmlns:a="http://schemas.openxmlformats.org/drawingml/2006/main" xmlns:r="http://schemas.openxmlformats.org/officeDocument/2006/relationships" xmlns:p="http://schemas.openxmlformats.org/presentationml/2006/main">
+  <p:cSld>
+    <p:spTree>
+      <p:nvGrpSpPr>
+        <p:cNvPr id="1" name=""/>
+        <p:cNvGrpSpPr/>
+        <p:nvPr/>
+      </p:nvGrpSpPr>
+      <p:grpSpPr>
+        <a:xfrm>
+          <a:off x="0" y="0"/>
+          <a:ext cx="0" cy="0"/>
+          <a:chOff x="0" y="0"/>
+          <a:chExt cx="0" cy="0"/>
+        </a:xfrm>
+      </p:grpSpPr>
+      <p:pic>
+        <p:nvPicPr>
+          <p:cNvPr id="4" name="Picture 3"/>
+          <p:cNvPicPr>
+            <a:picLocks noChangeAspect="1"/>
+          </p:cNvPicPr>
+          <p:nvPr/>
+        </p:nvPicPr>
+        <p:blipFill>
+          <a:blip r:embed="rId2">
+            <a:extLst>
+              <a:ext uri="{28A0092B-C50C-407E-A947-70E740481C1C}">
+                <a14:useLocalDpi xmlns:a14="http://schemas.microsoft.com/office/drawing/2010/main" val="0"/>
+              </a:ext>
+            </a:extLst>
+          </a:blip>
+          <a:stretch>
+            <a:fillRect/>
+          </a:stretch>
+        </p:blipFill>
+        <p:spPr>
+          <a:xfrm>
+            <a:off x="-1" y="0"/>
+            <a:ext cx="12206531" cy="6858000"/>
+          </a:xfrm>
+          <a:prstGeom prst="rect">
+            <a:avLst/>
+          </a:prstGeom>
+        </p:spPr>
+      </p:pic>
+      <p:sp>
+        <p:nvSpPr>
+          <p:cNvPr id="2" name="Title 1"/>
+          <p:cNvSpPr>
+            <a:spLocks noGrp="1"/>
+          </p:cNvSpPr>
+          <p:nvPr>
+            <p:ph type="title"/>
+          </p:nvPr>
+        </p:nvSpPr>
+        <p:spPr/>
+        <p:txBody>
+          <a:bodyPr/>
+          <a:lstStyle/>
+          <a:p>
+            <a:r>
+              <a:rPr lang="en-GB" dirty="0" smtClean="0">
+                <a:solidFill>
+                  <a:schemeClr val="bg1"/>
+                </a:solidFill>
+              </a:rPr>
+              <a:t>Questions?</a:t>
+            </a:r>
+            <a:endParaRPr lang="en-GB" dirty="0">
+              <a:solidFill>
+                <a:schemeClr val="bg1"/>
+              </a:solidFill>
+            </a:endParaRPr>
+          </a:p>
+        </p:txBody>
+      </p:sp>
+      <p:sp>
+        <p:nvSpPr>
+          <p:cNvPr id="5" name="Content Placeholder 4"/>
+          <p:cNvSpPr>
+            <a:spLocks noGrp="1"/>
+          </p:cNvSpPr>
+          <p:nvPr>
+            <p:ph idx="1"/>
+          </p:nvPr>
+        </p:nvSpPr>
+        <p:spPr/>
+        <p:txBody>
+          <a:bodyPr/>
+          <a:lstStyle/>
+          <a:p>
+            <a:endParaRPr lang="en-GB"/>
+          </a:p>
+        </p:txBody>
+      </p:sp>
+    </p:spTree>
+    <p:extLst>
+      <p:ext uri="{BB962C8B-B14F-4D97-AF65-F5344CB8AC3E}">
+        <p14:creationId xmlns:p14="http://schemas.microsoft.com/office/powerpoint/2010/main" val="3206147714"/>
       </p:ext>
     </p:extLst>
   </p:cSld>

--- a/SFMLNetworkingSim/CMP303 Presentation - Fraser Barker(1600196).pptx
+++ b/SFMLNetworkingSim/CMP303 Presentation - Fraser Barker(1600196).pptx
@@ -162,7 +162,7 @@
           </a:lstStyle>
           <a:p>
             <a:r>
-              <a:rPr lang="en-US" smtClean="0"/>
+              <a:rPr lang="en-US"/>
               <a:t>Click to edit Master title style</a:t>
             </a:r>
             <a:endParaRPr lang="en-GB"/>
@@ -227,7 +227,7 @@
           </a:lstStyle>
           <a:p>
             <a:r>
-              <a:rPr lang="en-US" smtClean="0"/>
+              <a:rPr lang="en-US"/>
               <a:t>Click to edit Master subtitle style</a:t>
             </a:r>
             <a:endParaRPr lang="en-GB"/>
@@ -345,7 +345,7 @@
           <a:lstStyle/>
           <a:p>
             <a:r>
-              <a:rPr lang="en-US" smtClean="0"/>
+              <a:rPr lang="en-US"/>
               <a:t>Click to edit Master title style</a:t>
             </a:r>
             <a:endParaRPr lang="en-GB"/>
@@ -369,35 +369,35 @@
           <a:p>
             <a:pPr lvl="0"/>
             <a:r>
-              <a:rPr lang="en-US" smtClean="0"/>
+              <a:rPr lang="en-US"/>
               <a:t>Edit Master text styles</a:t>
             </a:r>
           </a:p>
           <a:p>
             <a:pPr lvl="1"/>
             <a:r>
-              <a:rPr lang="en-US" smtClean="0"/>
+              <a:rPr lang="en-US"/>
               <a:t>Second level</a:t>
             </a:r>
           </a:p>
           <a:p>
             <a:pPr lvl="2"/>
             <a:r>
-              <a:rPr lang="en-US" smtClean="0"/>
+              <a:rPr lang="en-US"/>
               <a:t>Third level</a:t>
             </a:r>
           </a:p>
           <a:p>
             <a:pPr lvl="3"/>
             <a:r>
-              <a:rPr lang="en-US" smtClean="0"/>
+              <a:rPr lang="en-US"/>
               <a:t>Fourth level</a:t>
             </a:r>
           </a:p>
           <a:p>
             <a:pPr lvl="4"/>
             <a:r>
-              <a:rPr lang="en-US" smtClean="0"/>
+              <a:rPr lang="en-US"/>
               <a:t>Fifth level</a:t>
             </a:r>
             <a:endParaRPr lang="en-GB"/>
@@ -520,7 +520,7 @@
           <a:lstStyle/>
           <a:p>
             <a:r>
-              <a:rPr lang="en-US" smtClean="0"/>
+              <a:rPr lang="en-US"/>
               <a:t>Click to edit Master title style</a:t>
             </a:r>
             <a:endParaRPr lang="en-GB"/>
@@ -549,35 +549,35 @@
           <a:p>
             <a:pPr lvl="0"/>
             <a:r>
-              <a:rPr lang="en-US" smtClean="0"/>
+              <a:rPr lang="en-US"/>
               <a:t>Edit Master text styles</a:t>
             </a:r>
           </a:p>
           <a:p>
             <a:pPr lvl="1"/>
             <a:r>
-              <a:rPr lang="en-US" smtClean="0"/>
+              <a:rPr lang="en-US"/>
               <a:t>Second level</a:t>
             </a:r>
           </a:p>
           <a:p>
             <a:pPr lvl="2"/>
             <a:r>
-              <a:rPr lang="en-US" smtClean="0"/>
+              <a:rPr lang="en-US"/>
               <a:t>Third level</a:t>
             </a:r>
           </a:p>
           <a:p>
             <a:pPr lvl="3"/>
             <a:r>
-              <a:rPr lang="en-US" smtClean="0"/>
+              <a:rPr lang="en-US"/>
               <a:t>Fourth level</a:t>
             </a:r>
           </a:p>
           <a:p>
             <a:pPr lvl="4"/>
             <a:r>
-              <a:rPr lang="en-US" smtClean="0"/>
+              <a:rPr lang="en-US"/>
               <a:t>Fifth level</a:t>
             </a:r>
             <a:endParaRPr lang="en-GB"/>
@@ -695,7 +695,7 @@
           <a:lstStyle/>
           <a:p>
             <a:r>
-              <a:rPr lang="en-US" smtClean="0"/>
+              <a:rPr lang="en-US"/>
               <a:t>Click to edit Master title style</a:t>
             </a:r>
             <a:endParaRPr lang="en-GB"/>
@@ -719,35 +719,35 @@
           <a:p>
             <a:pPr lvl="0"/>
             <a:r>
-              <a:rPr lang="en-US" smtClean="0"/>
+              <a:rPr lang="en-US"/>
               <a:t>Edit Master text styles</a:t>
             </a:r>
           </a:p>
           <a:p>
             <a:pPr lvl="1"/>
             <a:r>
-              <a:rPr lang="en-US" smtClean="0"/>
+              <a:rPr lang="en-US"/>
               <a:t>Second level</a:t>
             </a:r>
           </a:p>
           <a:p>
             <a:pPr lvl="2"/>
             <a:r>
-              <a:rPr lang="en-US" smtClean="0"/>
+              <a:rPr lang="en-US"/>
               <a:t>Third level</a:t>
             </a:r>
           </a:p>
           <a:p>
             <a:pPr lvl="3"/>
             <a:r>
-              <a:rPr lang="en-US" smtClean="0"/>
+              <a:rPr lang="en-US"/>
               <a:t>Fourth level</a:t>
             </a:r>
           </a:p>
           <a:p>
             <a:pPr lvl="4"/>
             <a:r>
-              <a:rPr lang="en-US" smtClean="0"/>
+              <a:rPr lang="en-US"/>
               <a:t>Fifth level</a:t>
             </a:r>
             <a:endParaRPr lang="en-GB"/>
@@ -874,7 +874,7 @@
           </a:lstStyle>
           <a:p>
             <a:r>
-              <a:rPr lang="en-US" smtClean="0"/>
+              <a:rPr lang="en-US"/>
               <a:t>Click to edit Master title style</a:t>
             </a:r>
             <a:endParaRPr lang="en-GB"/>
@@ -994,7 +994,7 @@
           <a:p>
             <a:pPr lvl="0"/>
             <a:r>
-              <a:rPr lang="en-US" smtClean="0"/>
+              <a:rPr lang="en-US"/>
               <a:t>Edit Master text styles</a:t>
             </a:r>
           </a:p>
@@ -1111,7 +1111,7 @@
           <a:lstStyle/>
           <a:p>
             <a:r>
-              <a:rPr lang="en-US" smtClean="0"/>
+              <a:rPr lang="en-US"/>
               <a:t>Click to edit Master title style</a:t>
             </a:r>
             <a:endParaRPr lang="en-GB"/>
@@ -1140,35 +1140,35 @@
           <a:p>
             <a:pPr lvl="0"/>
             <a:r>
-              <a:rPr lang="en-US" smtClean="0"/>
+              <a:rPr lang="en-US"/>
               <a:t>Edit Master text styles</a:t>
             </a:r>
           </a:p>
           <a:p>
             <a:pPr lvl="1"/>
             <a:r>
-              <a:rPr lang="en-US" smtClean="0"/>
+              <a:rPr lang="en-US"/>
               <a:t>Second level</a:t>
             </a:r>
           </a:p>
           <a:p>
             <a:pPr lvl="2"/>
             <a:r>
-              <a:rPr lang="en-US" smtClean="0"/>
+              <a:rPr lang="en-US"/>
               <a:t>Third level</a:t>
             </a:r>
           </a:p>
           <a:p>
             <a:pPr lvl="3"/>
             <a:r>
-              <a:rPr lang="en-US" smtClean="0"/>
+              <a:rPr lang="en-US"/>
               <a:t>Fourth level</a:t>
             </a:r>
           </a:p>
           <a:p>
             <a:pPr lvl="4"/>
             <a:r>
-              <a:rPr lang="en-US" smtClean="0"/>
+              <a:rPr lang="en-US"/>
               <a:t>Fifth level</a:t>
             </a:r>
             <a:endParaRPr lang="en-GB"/>
@@ -1197,35 +1197,35 @@
           <a:p>
             <a:pPr lvl="0"/>
             <a:r>
-              <a:rPr lang="en-US" smtClean="0"/>
+              <a:rPr lang="en-US"/>
               <a:t>Edit Master text styles</a:t>
             </a:r>
           </a:p>
           <a:p>
             <a:pPr lvl="1"/>
             <a:r>
-              <a:rPr lang="en-US" smtClean="0"/>
+              <a:rPr lang="en-US"/>
               <a:t>Second level</a:t>
             </a:r>
           </a:p>
           <a:p>
             <a:pPr lvl="2"/>
             <a:r>
-              <a:rPr lang="en-US" smtClean="0"/>
+              <a:rPr lang="en-US"/>
               <a:t>Third level</a:t>
             </a:r>
           </a:p>
           <a:p>
             <a:pPr lvl="3"/>
             <a:r>
-              <a:rPr lang="en-US" smtClean="0"/>
+              <a:rPr lang="en-US"/>
               <a:t>Fourth level</a:t>
             </a:r>
           </a:p>
           <a:p>
             <a:pPr lvl="4"/>
             <a:r>
-              <a:rPr lang="en-US" smtClean="0"/>
+              <a:rPr lang="en-US"/>
               <a:t>Fifth level</a:t>
             </a:r>
             <a:endParaRPr lang="en-GB"/>
@@ -1348,7 +1348,7 @@
           <a:lstStyle/>
           <a:p>
             <a:r>
-              <a:rPr lang="en-US" smtClean="0"/>
+              <a:rPr lang="en-US"/>
               <a:t>Click to edit Master title style</a:t>
             </a:r>
             <a:endParaRPr lang="en-GB"/>
@@ -1414,7 +1414,7 @@
           <a:p>
             <a:pPr lvl="0"/>
             <a:r>
-              <a:rPr lang="en-US" smtClean="0"/>
+              <a:rPr lang="en-US"/>
               <a:t>Edit Master text styles</a:t>
             </a:r>
           </a:p>
@@ -1442,35 +1442,35 @@
           <a:p>
             <a:pPr lvl="0"/>
             <a:r>
-              <a:rPr lang="en-US" smtClean="0"/>
+              <a:rPr lang="en-US"/>
               <a:t>Edit Master text styles</a:t>
             </a:r>
           </a:p>
           <a:p>
             <a:pPr lvl="1"/>
             <a:r>
-              <a:rPr lang="en-US" smtClean="0"/>
+              <a:rPr lang="en-US"/>
               <a:t>Second level</a:t>
             </a:r>
           </a:p>
           <a:p>
             <a:pPr lvl="2"/>
             <a:r>
-              <a:rPr lang="en-US" smtClean="0"/>
+              <a:rPr lang="en-US"/>
               <a:t>Third level</a:t>
             </a:r>
           </a:p>
           <a:p>
             <a:pPr lvl="3"/>
             <a:r>
-              <a:rPr lang="en-US" smtClean="0"/>
+              <a:rPr lang="en-US"/>
               <a:t>Fourth level</a:t>
             </a:r>
           </a:p>
           <a:p>
             <a:pPr lvl="4"/>
             <a:r>
-              <a:rPr lang="en-US" smtClean="0"/>
+              <a:rPr lang="en-US"/>
               <a:t>Fifth level</a:t>
             </a:r>
             <a:endParaRPr lang="en-GB"/>
@@ -1536,7 +1536,7 @@
           <a:p>
             <a:pPr lvl="0"/>
             <a:r>
-              <a:rPr lang="en-US" smtClean="0"/>
+              <a:rPr lang="en-US"/>
               <a:t>Edit Master text styles</a:t>
             </a:r>
           </a:p>
@@ -1564,35 +1564,35 @@
           <a:p>
             <a:pPr lvl="0"/>
             <a:r>
-              <a:rPr lang="en-US" smtClean="0"/>
+              <a:rPr lang="en-US"/>
               <a:t>Edit Master text styles</a:t>
             </a:r>
           </a:p>
           <a:p>
             <a:pPr lvl="1"/>
             <a:r>
-              <a:rPr lang="en-US" smtClean="0"/>
+              <a:rPr lang="en-US"/>
               <a:t>Second level</a:t>
             </a:r>
           </a:p>
           <a:p>
             <a:pPr lvl="2"/>
             <a:r>
-              <a:rPr lang="en-US" smtClean="0"/>
+              <a:rPr lang="en-US"/>
               <a:t>Third level</a:t>
             </a:r>
           </a:p>
           <a:p>
             <a:pPr lvl="3"/>
             <a:r>
-              <a:rPr lang="en-US" smtClean="0"/>
+              <a:rPr lang="en-US"/>
               <a:t>Fourth level</a:t>
             </a:r>
           </a:p>
           <a:p>
             <a:pPr lvl="4"/>
             <a:r>
-              <a:rPr lang="en-US" smtClean="0"/>
+              <a:rPr lang="en-US"/>
               <a:t>Fifth level</a:t>
             </a:r>
             <a:endParaRPr lang="en-GB"/>
@@ -1710,7 +1710,7 @@
           <a:lstStyle/>
           <a:p>
             <a:r>
-              <a:rPr lang="en-US" smtClean="0"/>
+              <a:rPr lang="en-US"/>
               <a:t>Click to edit Master title style</a:t>
             </a:r>
             <a:endParaRPr lang="en-GB"/>
@@ -1932,7 +1932,7 @@
           </a:lstStyle>
           <a:p>
             <a:r>
-              <a:rPr lang="en-US" smtClean="0"/>
+              <a:rPr lang="en-US"/>
               <a:t>Click to edit Master title style</a:t>
             </a:r>
             <a:endParaRPr lang="en-GB"/>
@@ -1989,35 +1989,35 @@
           <a:p>
             <a:pPr lvl="0"/>
             <a:r>
-              <a:rPr lang="en-US" smtClean="0"/>
+              <a:rPr lang="en-US"/>
               <a:t>Edit Master text styles</a:t>
             </a:r>
           </a:p>
           <a:p>
             <a:pPr lvl="1"/>
             <a:r>
-              <a:rPr lang="en-US" smtClean="0"/>
+              <a:rPr lang="en-US"/>
               <a:t>Second level</a:t>
             </a:r>
           </a:p>
           <a:p>
             <a:pPr lvl="2"/>
             <a:r>
-              <a:rPr lang="en-US" smtClean="0"/>
+              <a:rPr lang="en-US"/>
               <a:t>Third level</a:t>
             </a:r>
           </a:p>
           <a:p>
             <a:pPr lvl="3"/>
             <a:r>
-              <a:rPr lang="en-US" smtClean="0"/>
+              <a:rPr lang="en-US"/>
               <a:t>Fourth level</a:t>
             </a:r>
           </a:p>
           <a:p>
             <a:pPr lvl="4"/>
             <a:r>
-              <a:rPr lang="en-US" smtClean="0"/>
+              <a:rPr lang="en-US"/>
               <a:t>Fifth level</a:t>
             </a:r>
             <a:endParaRPr lang="en-GB"/>
@@ -2083,7 +2083,7 @@
           <a:p>
             <a:pPr lvl="0"/>
             <a:r>
-              <a:rPr lang="en-US" smtClean="0"/>
+              <a:rPr lang="en-US"/>
               <a:t>Edit Master text styles</a:t>
             </a:r>
           </a:p>
@@ -2209,7 +2209,7 @@
           </a:lstStyle>
           <a:p>
             <a:r>
-              <a:rPr lang="en-US" smtClean="0"/>
+              <a:rPr lang="en-US"/>
               <a:t>Click to edit Master title style</a:t>
             </a:r>
             <a:endParaRPr lang="en-GB"/>
@@ -2336,7 +2336,7 @@
           <a:p>
             <a:pPr lvl="0"/>
             <a:r>
-              <a:rPr lang="en-US" smtClean="0"/>
+              <a:rPr lang="en-US"/>
               <a:t>Edit Master text styles</a:t>
             </a:r>
           </a:p>
@@ -2468,7 +2468,7 @@
           <a:lstStyle/>
           <a:p>
             <a:r>
-              <a:rPr lang="en-US" smtClean="0"/>
+              <a:rPr lang="en-US"/>
               <a:t>Click to edit Master title style</a:t>
             </a:r>
             <a:endParaRPr lang="en-GB"/>
@@ -2502,35 +2502,35 @@
           <a:p>
             <a:pPr lvl="0"/>
             <a:r>
-              <a:rPr lang="en-US" smtClean="0"/>
+              <a:rPr lang="en-US"/>
               <a:t>Edit Master text styles</a:t>
             </a:r>
           </a:p>
           <a:p>
             <a:pPr lvl="1"/>
             <a:r>
-              <a:rPr lang="en-US" smtClean="0"/>
+              <a:rPr lang="en-US"/>
               <a:t>Second level</a:t>
             </a:r>
           </a:p>
           <a:p>
             <a:pPr lvl="2"/>
             <a:r>
-              <a:rPr lang="en-US" smtClean="0"/>
+              <a:rPr lang="en-US"/>
               <a:t>Third level</a:t>
             </a:r>
           </a:p>
           <a:p>
             <a:pPr lvl="3"/>
             <a:r>
-              <a:rPr lang="en-US" smtClean="0"/>
+              <a:rPr lang="en-US"/>
               <a:t>Fourth level</a:t>
             </a:r>
           </a:p>
           <a:p>
             <a:pPr lvl="4"/>
             <a:r>
-              <a:rPr lang="en-US" smtClean="0"/>
+              <a:rPr lang="en-US"/>
               <a:t>Fifth level</a:t>
             </a:r>
             <a:endParaRPr lang="en-GB"/>
@@ -3023,18 +3023,13 @@
           <a:lstStyle/>
           <a:p>
             <a:r>
-              <a:rPr lang="en-GB" dirty="0" smtClean="0">
+              <a:rPr lang="en-GB" dirty="0">
                 <a:solidFill>
                   <a:schemeClr val="bg1"/>
                 </a:solidFill>
               </a:rPr>
               <a:t>CMP303 Networking</a:t>
             </a:r>
-            <a:endParaRPr lang="en-GB" dirty="0">
-              <a:solidFill>
-                <a:schemeClr val="bg1"/>
-              </a:solidFill>
-            </a:endParaRPr>
           </a:p>
         </p:txBody>
       </p:sp>
@@ -3054,18 +3049,13 @@
           <a:lstStyle/>
           <a:p>
             <a:r>
-              <a:rPr lang="en-GB" dirty="0" smtClean="0">
+              <a:rPr lang="en-GB" dirty="0">
                 <a:solidFill>
                   <a:schemeClr val="bg1"/>
                 </a:solidFill>
               </a:rPr>
               <a:t>Fraser Barker(1600196)</a:t>
             </a:r>
-            <a:endParaRPr lang="en-GB" dirty="0">
-              <a:solidFill>
-                <a:schemeClr val="bg1"/>
-              </a:solidFill>
-            </a:endParaRPr>
           </a:p>
         </p:txBody>
       </p:sp>
@@ -3079,13 +3069,6 @@
   <p:clrMapOvr>
     <a:masterClrMapping/>
   </p:clrMapOvr>
-  <p:timing>
-    <p:tnLst>
-      <p:par>
-        <p:cTn id="1" dur="indefinite" restart="never" nodeType="tmRoot"/>
-      </p:par>
-    </p:tnLst>
-  </p:timing>
 </p:sld>
 </file>
 
@@ -3152,18 +3135,13 @@
           <a:lstStyle/>
           <a:p>
             <a:r>
-              <a:rPr lang="en-GB" dirty="0" smtClean="0">
+              <a:rPr lang="en-GB" dirty="0">
                 <a:solidFill>
                   <a:schemeClr val="bg1"/>
                 </a:solidFill>
               </a:rPr>
               <a:t>Application</a:t>
             </a:r>
-            <a:endParaRPr lang="en-GB" dirty="0">
-              <a:solidFill>
-                <a:schemeClr val="bg1"/>
-              </a:solidFill>
-            </a:endParaRPr>
           </a:p>
         </p:txBody>
       </p:sp>
@@ -3183,34 +3161,43 @@
           <a:lstStyle/>
           <a:p>
             <a:r>
-              <a:rPr lang="en-GB" dirty="0" smtClean="0">
-                <a:solidFill>
-                  <a:schemeClr val="bg1"/>
-                </a:solidFill>
-              </a:rPr>
-              <a:t>Networked </a:t>
-            </a:r>
-            <a:r>
-              <a:rPr lang="en-GB" dirty="0" err="1" smtClean="0">
-                <a:solidFill>
-                  <a:schemeClr val="bg1"/>
-                </a:solidFill>
-              </a:rPr>
-              <a:t>Boid</a:t>
-            </a:r>
-            <a:r>
-              <a:rPr lang="en-GB" dirty="0" smtClean="0">
-                <a:solidFill>
-                  <a:schemeClr val="bg1"/>
-                </a:solidFill>
-              </a:rPr>
-              <a:t> simulation</a:t>
-            </a:r>
-            <a:endParaRPr lang="en-GB" dirty="0">
-              <a:solidFill>
-                <a:schemeClr val="bg1"/>
-              </a:solidFill>
-            </a:endParaRPr>
+              <a:rPr lang="en-GB" dirty="0">
+                <a:solidFill>
+                  <a:schemeClr val="bg1"/>
+                </a:solidFill>
+              </a:rPr>
+              <a:t>Networked Boid Simulation</a:t>
+            </a:r>
+          </a:p>
+          <a:p>
+            <a:r>
+              <a:rPr lang="en-GB" dirty="0">
+                <a:solidFill>
+                  <a:schemeClr val="bg1"/>
+                </a:solidFill>
+              </a:rPr>
+              <a:t>Server</a:t>
+            </a:r>
+          </a:p>
+          <a:p>
+            <a:r>
+              <a:rPr lang="en-GB" dirty="0">
+                <a:solidFill>
+                  <a:schemeClr val="bg1"/>
+                </a:solidFill>
+              </a:rPr>
+              <a:t>Client</a:t>
+            </a:r>
+          </a:p>
+          <a:p>
+            <a:r>
+              <a:rPr lang="en-GB" dirty="0">
+                <a:solidFill>
+                  <a:schemeClr val="bg1"/>
+                </a:solidFill>
+              </a:rPr>
+              <a:t>Interaction</a:t>
+            </a:r>
           </a:p>
         </p:txBody>
       </p:sp>
@@ -3224,13 +3211,6 @@
   <p:clrMapOvr>
     <a:masterClrMapping/>
   </p:clrMapOvr>
-  <p:timing>
-    <p:tnLst>
-      <p:par>
-        <p:cTn id="1" dur="indefinite" restart="never" nodeType="tmRoot"/>
-      </p:par>
-    </p:tnLst>
-  </p:timing>
 </p:sld>
 </file>
 
@@ -3297,12 +3277,48 @@
           <a:lstStyle/>
           <a:p>
             <a:r>
-              <a:rPr lang="en-GB" dirty="0" smtClean="0">
+              <a:rPr lang="en-GB" dirty="0">
                 <a:solidFill>
                   <a:schemeClr val="bg1"/>
                 </a:solidFill>
               </a:rPr>
               <a:t>Architecture</a:t>
+            </a:r>
+          </a:p>
+        </p:txBody>
+      </p:sp>
+      <p:sp>
+        <p:nvSpPr>
+          <p:cNvPr id="3" name="Content Placeholder 2"/>
+          <p:cNvSpPr>
+            <a:spLocks noGrp="1"/>
+          </p:cNvSpPr>
+          <p:nvPr>
+            <p:ph idx="1"/>
+          </p:nvPr>
+        </p:nvSpPr>
+        <p:spPr/>
+        <p:txBody>
+          <a:bodyPr/>
+          <a:lstStyle/>
+          <a:p>
+            <a:r>
+              <a:rPr lang="en-GB" strike="sngStrike" dirty="0">
+                <a:solidFill>
+                  <a:schemeClr val="bg1"/>
+                </a:solidFill>
+              </a:rPr>
+              <a:t>Client-Server</a:t>
+            </a:r>
+          </a:p>
+          <a:p>
+            <a:r>
+              <a:rPr lang="en-GB" strike="sngStrike" dirty="0">
+                <a:solidFill>
+                  <a:schemeClr val="bg1"/>
+                </a:solidFill>
+              </a:rPr>
+              <a:t>Peer-peer</a:t>
             </a:r>
             <a:endParaRPr lang="en-GB" dirty="0">
               <a:solidFill>
@@ -3310,50 +3326,9 @@
               </a:solidFill>
             </a:endParaRPr>
           </a:p>
-        </p:txBody>
-      </p:sp>
-      <p:sp>
-        <p:nvSpPr>
-          <p:cNvPr id="3" name="Content Placeholder 2"/>
-          <p:cNvSpPr>
-            <a:spLocks noGrp="1"/>
-          </p:cNvSpPr>
-          <p:nvPr>
-            <p:ph idx="1"/>
-          </p:nvPr>
-        </p:nvSpPr>
-        <p:spPr/>
-        <p:txBody>
-          <a:bodyPr/>
-          <a:lstStyle/>
-          <a:p>
-            <a:r>
-              <a:rPr lang="en-GB" strike="sngStrike" dirty="0" smtClean="0">
-                <a:solidFill>
-                  <a:schemeClr val="bg1"/>
-                </a:solidFill>
-              </a:rPr>
-              <a:t>Client-Server</a:t>
-            </a:r>
-          </a:p>
-          <a:p>
-            <a:r>
-              <a:rPr lang="en-GB" strike="sngStrike" dirty="0" smtClean="0">
-                <a:solidFill>
-                  <a:schemeClr val="bg1"/>
-                </a:solidFill>
-              </a:rPr>
-              <a:t>Peer-peer</a:t>
-            </a:r>
-            <a:endParaRPr lang="en-GB" dirty="0" smtClean="0">
-              <a:solidFill>
-                <a:schemeClr val="bg1"/>
-              </a:solidFill>
-            </a:endParaRPr>
-          </a:p>
-          <a:p>
-            <a:r>
-              <a:rPr lang="en-GB" dirty="0" smtClean="0">
+          <a:p>
+            <a:r>
+              <a:rPr lang="en-GB" dirty="0">
                 <a:solidFill>
                   <a:schemeClr val="bg1"/>
                 </a:solidFill>
@@ -3369,21 +3344,13 @@
                   <a:schemeClr val="bg1"/>
                 </a:solidFill>
               </a:rPr>
-              <a:t>Aiming for </a:t>
-            </a:r>
-            <a:r>
-              <a:rPr lang="en-GB" dirty="0" smtClean="0">
-                <a:solidFill>
-                  <a:schemeClr val="bg1"/>
-                </a:solidFill>
-              </a:rPr>
-              <a:t>client-server</a:t>
+              <a:t>Aiming for client-server</a:t>
             </a:r>
           </a:p>
           <a:p>
             <a:pPr lvl="1"/>
             <a:r>
-              <a:rPr lang="en-GB" dirty="0" smtClean="0">
+              <a:rPr lang="en-GB" dirty="0">
                 <a:solidFill>
                   <a:schemeClr val="bg1"/>
                 </a:solidFill>
@@ -3394,7 +3361,7 @@
           <a:p>
             <a:pPr lvl="2"/>
             <a:r>
-              <a:rPr lang="en-GB" dirty="0" smtClean="0">
+              <a:rPr lang="en-GB" dirty="0">
                 <a:solidFill>
                   <a:schemeClr val="bg1"/>
                 </a:solidFill>
@@ -3405,29 +3372,24 @@
           <a:p>
             <a:pPr lvl="2"/>
             <a:r>
-              <a:rPr lang="en-GB" dirty="0" smtClean="0">
-                <a:solidFill>
-                  <a:schemeClr val="bg1"/>
-                </a:solidFill>
-              </a:rPr>
-              <a:t>Have to elect new server host if old one drops out</a:t>
+              <a:rPr lang="en-GB" dirty="0">
+                <a:solidFill>
+                  <a:schemeClr val="bg1"/>
+                </a:solidFill>
+              </a:rPr>
+              <a:t>New host</a:t>
             </a:r>
           </a:p>
           <a:p>
             <a:pPr lvl="2"/>
             <a:r>
-              <a:rPr lang="en-GB" dirty="0" smtClean="0">
-                <a:solidFill>
-                  <a:schemeClr val="bg1"/>
-                </a:solidFill>
-              </a:rPr>
-              <a:t>Server player has advantage</a:t>
-            </a:r>
-            <a:endParaRPr lang="en-GB" dirty="0">
-              <a:solidFill>
-                <a:schemeClr val="bg1"/>
-              </a:solidFill>
-            </a:endParaRPr>
+              <a:rPr lang="en-GB" dirty="0">
+                <a:solidFill>
+                  <a:schemeClr val="bg1"/>
+                </a:solidFill>
+              </a:rPr>
+              <a:t>Advantage?</a:t>
+            </a:r>
           </a:p>
         </p:txBody>
       </p:sp>
@@ -3441,13 +3403,6 @@
   <p:clrMapOvr>
     <a:masterClrMapping/>
   </p:clrMapOvr>
-  <p:timing>
-    <p:tnLst>
-      <p:par>
-        <p:cTn id="1" dur="indefinite" restart="never" nodeType="tmRoot"/>
-      </p:par>
-    </p:tnLst>
-  </p:timing>
 </p:sld>
 </file>
 
@@ -3514,12 +3469,60 @@
           <a:lstStyle/>
           <a:p>
             <a:r>
-              <a:rPr lang="en-GB" dirty="0" smtClean="0">
+              <a:rPr lang="en-GB" dirty="0">
                 <a:solidFill>
                   <a:schemeClr val="bg1"/>
                 </a:solidFill>
               </a:rPr>
               <a:t>Protocols</a:t>
+            </a:r>
+          </a:p>
+        </p:txBody>
+      </p:sp>
+      <p:sp>
+        <p:nvSpPr>
+          <p:cNvPr id="3" name="Content Placeholder 2"/>
+          <p:cNvSpPr>
+            <a:spLocks noGrp="1"/>
+          </p:cNvSpPr>
+          <p:nvPr>
+            <p:ph idx="1"/>
+          </p:nvPr>
+        </p:nvSpPr>
+        <p:spPr/>
+        <p:txBody>
+          <a:bodyPr/>
+          <a:lstStyle/>
+          <a:p>
+            <a:r>
+              <a:rPr lang="en-GB" dirty="0">
+                <a:solidFill>
+                  <a:schemeClr val="bg1"/>
+                </a:solidFill>
+              </a:rPr>
+              <a:t>Application layer protocols designed</a:t>
+            </a:r>
+          </a:p>
+          <a:p>
+            <a:pPr lvl="1"/>
+            <a:r>
+              <a:rPr lang="en-GB" dirty="0">
+                <a:solidFill>
+                  <a:schemeClr val="bg1"/>
+                </a:solidFill>
+              </a:rPr>
+              <a:t>Messages</a:t>
+            </a:r>
+          </a:p>
+          <a:p>
+            <a:pPr lvl="2"/>
+            <a:r>
+              <a:rPr lang="en-GB" dirty="0" err="1">
+                <a:solidFill>
+                  <a:schemeClr val="bg1"/>
+                </a:solidFill>
+              </a:rPr>
+              <a:t>Enums</a:t>
             </a:r>
             <a:endParaRPr lang="en-GB" dirty="0">
               <a:solidFill>
@@ -3527,62 +3530,17 @@
               </a:solidFill>
             </a:endParaRPr>
           </a:p>
-        </p:txBody>
-      </p:sp>
-      <p:sp>
-        <p:nvSpPr>
-          <p:cNvPr id="3" name="Content Placeholder 2"/>
-          <p:cNvSpPr>
-            <a:spLocks noGrp="1"/>
-          </p:cNvSpPr>
-          <p:nvPr>
-            <p:ph idx="1"/>
-          </p:nvPr>
-        </p:nvSpPr>
-        <p:spPr/>
-        <p:txBody>
-          <a:bodyPr/>
-          <a:lstStyle/>
-          <a:p>
-            <a:r>
-              <a:rPr lang="en-GB" dirty="0" smtClean="0">
-                <a:solidFill>
-                  <a:schemeClr val="bg1"/>
-                </a:solidFill>
-              </a:rPr>
-              <a:t>Application layer protocols </a:t>
-            </a:r>
-            <a:r>
-              <a:rPr lang="en-GB" dirty="0" smtClean="0">
-                <a:solidFill>
-                  <a:schemeClr val="bg1"/>
-                </a:solidFill>
-              </a:rPr>
-              <a:t>designed</a:t>
-            </a:r>
-          </a:p>
-          <a:p>
-            <a:pPr lvl="1"/>
-            <a:r>
-              <a:rPr lang="en-GB" dirty="0" smtClean="0">
-                <a:solidFill>
-                  <a:schemeClr val="bg1"/>
-                </a:solidFill>
-              </a:rPr>
-              <a:t>Messages</a:t>
-            </a:r>
-          </a:p>
           <a:p>
             <a:pPr lvl="2"/>
             <a:r>
-              <a:rPr lang="en-GB" dirty="0" err="1" smtClean="0">
-                <a:solidFill>
-                  <a:schemeClr val="bg1"/>
-                </a:solidFill>
-              </a:rPr>
-              <a:t>Enums</a:t>
-            </a:r>
-            <a:endParaRPr lang="en-GB" dirty="0" smtClean="0">
+              <a:rPr lang="en-GB" dirty="0" err="1">
+                <a:solidFill>
+                  <a:schemeClr val="bg1"/>
+                </a:solidFill>
+              </a:rPr>
+              <a:t>Boids</a:t>
+            </a:r>
+            <a:endParaRPr lang="en-GB" dirty="0">
               <a:solidFill>
                 <a:schemeClr val="bg1"/>
               </a:solidFill>
@@ -3591,93 +3549,72 @@
           <a:p>
             <a:pPr lvl="2"/>
             <a:r>
-              <a:rPr lang="en-GB" dirty="0" err="1" smtClean="0">
-                <a:solidFill>
-                  <a:schemeClr val="bg1"/>
-                </a:solidFill>
-              </a:rPr>
-              <a:t>Boids</a:t>
-            </a:r>
-            <a:endParaRPr lang="en-GB" dirty="0" smtClean="0">
-              <a:solidFill>
-                <a:schemeClr val="bg1"/>
-              </a:solidFill>
-            </a:endParaRPr>
+              <a:rPr lang="en-GB" dirty="0">
+                <a:solidFill>
+                  <a:schemeClr val="bg1"/>
+                </a:solidFill>
+              </a:rPr>
+              <a:t>Obstacles</a:t>
+            </a:r>
+          </a:p>
+          <a:p>
+            <a:r>
+              <a:rPr lang="en-GB" dirty="0">
+                <a:solidFill>
+                  <a:schemeClr val="bg1"/>
+                </a:solidFill>
+              </a:rPr>
+              <a:t>Transport layer protocols chosen</a:t>
+            </a:r>
+          </a:p>
+          <a:p>
+            <a:pPr lvl="1"/>
+            <a:r>
+              <a:rPr lang="en-GB" dirty="0">
+                <a:solidFill>
+                  <a:schemeClr val="bg1"/>
+                </a:solidFill>
+              </a:rPr>
+              <a:t>UDP</a:t>
+            </a:r>
           </a:p>
           <a:p>
             <a:pPr lvl="2"/>
             <a:r>
-              <a:rPr lang="en-GB" dirty="0" smtClean="0">
-                <a:solidFill>
-                  <a:schemeClr val="bg1"/>
-                </a:solidFill>
-              </a:rPr>
-              <a:t>Obstacles</a:t>
-            </a:r>
-            <a:endParaRPr lang="en-GB" dirty="0" smtClean="0">
-              <a:solidFill>
-                <a:schemeClr val="bg1"/>
-              </a:solidFill>
-            </a:endParaRPr>
-          </a:p>
-          <a:p>
-            <a:r>
-              <a:rPr lang="en-GB" dirty="0" smtClean="0">
-                <a:solidFill>
-                  <a:schemeClr val="bg1"/>
-                </a:solidFill>
-              </a:rPr>
-              <a:t>Transport layer protocols chosen</a:t>
-            </a:r>
-          </a:p>
-          <a:p>
-            <a:pPr lvl="1"/>
-            <a:r>
-              <a:rPr lang="en-GB" dirty="0" smtClean="0">
-                <a:solidFill>
-                  <a:schemeClr val="bg1"/>
-                </a:solidFill>
-              </a:rPr>
-              <a:t>UDP</a:t>
+              <a:rPr lang="en-GB" dirty="0">
+                <a:solidFill>
+                  <a:schemeClr val="bg1"/>
+                </a:solidFill>
+              </a:rPr>
+              <a:t>Speed</a:t>
             </a:r>
           </a:p>
           <a:p>
             <a:pPr lvl="2"/>
             <a:r>
-              <a:rPr lang="en-GB" dirty="0" smtClean="0">
-                <a:solidFill>
-                  <a:schemeClr val="bg1"/>
-                </a:solidFill>
-              </a:rPr>
-              <a:t>Speed</a:t>
+              <a:rPr lang="en-GB" dirty="0">
+                <a:solidFill>
+                  <a:schemeClr val="bg1"/>
+                </a:solidFill>
+              </a:rPr>
+              <a:t>Connectionless</a:t>
             </a:r>
           </a:p>
           <a:p>
             <a:pPr lvl="2"/>
             <a:r>
-              <a:rPr lang="en-GB" dirty="0" smtClean="0">
-                <a:solidFill>
-                  <a:schemeClr val="bg1"/>
-                </a:solidFill>
-              </a:rPr>
-              <a:t>Connectionless</a:t>
+              <a:rPr lang="en-GB" dirty="0">
+                <a:solidFill>
+                  <a:schemeClr val="bg1"/>
+                </a:solidFill>
+              </a:rPr>
+              <a:t>One socket to talk to multiple</a:t>
             </a:r>
           </a:p>
           <a:p>
             <a:pPr lvl="2"/>
             <a:r>
-              <a:rPr lang="en-GB" dirty="0" smtClean="0">
-                <a:solidFill>
-                  <a:schemeClr val="bg1"/>
-                </a:solidFill>
-              </a:rPr>
-              <a:t>One socket to talk to multiple</a:t>
-            </a:r>
-          </a:p>
-          <a:p>
-            <a:pPr lvl="2"/>
-            <a:r>
-              <a:rPr lang="en-GB" dirty="0" smtClean="0">
+              <a:rPr lang="en-GB" dirty="0">
                 <a:solidFill>
                   <a:schemeClr val="bg1"/>
                 </a:solidFill>
@@ -3695,6 +3632,42 @@
           </a:p>
         </p:txBody>
       </p:sp>
+      <p:pic>
+        <p:nvPicPr>
+          <p:cNvPr id="6" name="Picture 5">
+            <a:extLst>
+              <a:ext uri="{FF2B5EF4-FFF2-40B4-BE49-F238E27FC236}">
+                <a16:creationId xmlns:a16="http://schemas.microsoft.com/office/drawing/2014/main" id="{09CCC1B7-E475-4838-87E4-1B1BF9F68E18}"/>
+              </a:ext>
+            </a:extLst>
+          </p:cNvPr>
+          <p:cNvPicPr>
+            <a:picLocks noChangeAspect="1"/>
+          </p:cNvPicPr>
+          <p:nvPr/>
+        </p:nvPicPr>
+        <p:blipFill>
+          <a:blip r:embed="rId3">
+            <a:extLst>
+              <a:ext uri="{28A0092B-C50C-407E-A947-70E740481C1C}">
+                <a14:useLocalDpi xmlns:a14="http://schemas.microsoft.com/office/drawing/2010/main" val="0"/>
+              </a:ext>
+            </a:extLst>
+          </a:blip>
+          <a:stretch>
+            <a:fillRect/>
+          </a:stretch>
+        </p:blipFill>
+        <p:spPr>
+          <a:xfrm>
+            <a:off x="6909076" y="365125"/>
+            <a:ext cx="4428416" cy="6201640"/>
+          </a:xfrm>
+          <a:prstGeom prst="rect">
+            <a:avLst/>
+          </a:prstGeom>
+        </p:spPr>
+      </p:pic>
     </p:spTree>
     <p:extLst>
       <p:ext uri="{BB962C8B-B14F-4D97-AF65-F5344CB8AC3E}">
@@ -3705,13 +3678,6 @@
   <p:clrMapOvr>
     <a:masterClrMapping/>
   </p:clrMapOvr>
-  <p:timing>
-    <p:tnLst>
-      <p:par>
-        <p:cTn id="1" dur="indefinite" restart="never" nodeType="tmRoot"/>
-      </p:par>
-    </p:tnLst>
-  </p:timing>
 </p:sld>
 </file>
 
@@ -3778,18 +3744,13 @@
           <a:lstStyle/>
           <a:p>
             <a:r>
-              <a:rPr lang="en-GB" dirty="0" smtClean="0">
+              <a:rPr lang="en-GB" dirty="0">
                 <a:solidFill>
                   <a:schemeClr val="bg1"/>
                 </a:solidFill>
               </a:rPr>
               <a:t>Network API</a:t>
             </a:r>
-            <a:endParaRPr lang="en-GB" dirty="0">
-              <a:solidFill>
-                <a:schemeClr val="bg1"/>
-              </a:solidFill>
-            </a:endParaRPr>
           </a:p>
         </p:txBody>
       </p:sp>
@@ -3809,7 +3770,7 @@
           <a:lstStyle/>
           <a:p>
             <a:r>
-              <a:rPr lang="en-GB" dirty="0" smtClean="0">
+              <a:rPr lang="en-GB" dirty="0">
                 <a:solidFill>
                   <a:schemeClr val="bg1"/>
                 </a:solidFill>
@@ -3820,7 +3781,7 @@
           <a:p>
             <a:pPr lvl="1"/>
             <a:r>
-              <a:rPr lang="en-GB" dirty="0" smtClean="0">
+              <a:rPr lang="en-GB" dirty="0">
                 <a:solidFill>
                   <a:schemeClr val="bg1"/>
                 </a:solidFill>
@@ -3831,7 +3792,7 @@
           <a:p>
             <a:pPr lvl="1"/>
             <a:r>
-              <a:rPr lang="en-GB" dirty="0" smtClean="0">
+              <a:rPr lang="en-GB" dirty="0">
                 <a:solidFill>
                   <a:schemeClr val="bg1"/>
                 </a:solidFill>
@@ -3842,7 +3803,7 @@
           <a:p>
             <a:pPr lvl="2"/>
             <a:r>
-              <a:rPr lang="en-GB" dirty="0" smtClean="0">
+              <a:rPr lang="en-GB" dirty="0">
                 <a:solidFill>
                   <a:schemeClr val="bg1"/>
                 </a:solidFill>
@@ -3853,7 +3814,7 @@
           <a:p>
             <a:pPr lvl="1"/>
             <a:r>
-              <a:rPr lang="en-GB" dirty="0" smtClean="0">
+              <a:rPr lang="en-GB" dirty="0">
                 <a:solidFill>
                   <a:schemeClr val="bg1"/>
                 </a:solidFill>
@@ -3864,7 +3825,7 @@
           <a:p>
             <a:pPr lvl="2"/>
             <a:r>
-              <a:rPr lang="en-GB" dirty="0" smtClean="0">
+              <a:rPr lang="en-GB" dirty="0">
                 <a:solidFill>
                   <a:schemeClr val="bg1"/>
                 </a:solidFill>
@@ -3884,13 +3845,6 @@
   <p:clrMapOvr>
     <a:masterClrMapping/>
   </p:clrMapOvr>
-  <p:timing>
-    <p:tnLst>
-      <p:par>
-        <p:cTn id="1" dur="indefinite" restart="never" nodeType="tmRoot"/>
-      </p:par>
-    </p:tnLst>
-  </p:timing>
 </p:sld>
 </file>
 
@@ -3957,18 +3911,13 @@
           <a:lstStyle/>
           <a:p>
             <a:r>
-              <a:rPr lang="en-GB" dirty="0" smtClean="0">
+              <a:rPr lang="en-GB" dirty="0">
                 <a:solidFill>
                   <a:schemeClr val="bg1"/>
                 </a:solidFill>
               </a:rPr>
               <a:t>Structure</a:t>
             </a:r>
-            <a:endParaRPr lang="en-GB" dirty="0">
-              <a:solidFill>
-                <a:schemeClr val="bg1"/>
-              </a:solidFill>
-            </a:endParaRPr>
           </a:p>
         </p:txBody>
       </p:sp>
@@ -3988,17 +3937,7 @@
           <a:lstStyle/>
           <a:p>
             <a:r>
-              <a:rPr lang="en-GB" dirty="0" smtClean="0">
-                <a:solidFill>
-                  <a:schemeClr val="bg1"/>
-                </a:solidFill>
-              </a:rPr>
-              <a:t>E.g. using asynchronous IO</a:t>
-            </a:r>
-          </a:p>
-          <a:p>
-            <a:r>
-              <a:rPr lang="en-GB" dirty="0" smtClean="0">
+              <a:rPr lang="en-GB" dirty="0">
                 <a:solidFill>
                   <a:schemeClr val="bg1"/>
                 </a:solidFill>
@@ -4009,7 +3948,7 @@
           <a:p>
             <a:pPr lvl="1"/>
             <a:r>
-              <a:rPr lang="en-GB" dirty="0" smtClean="0">
+              <a:rPr lang="en-GB" dirty="0">
                 <a:solidFill>
                   <a:schemeClr val="bg1"/>
                 </a:solidFill>
@@ -4020,7 +3959,7 @@
           <a:p>
             <a:pPr lvl="1"/>
             <a:r>
-              <a:rPr lang="en-GB" dirty="0" smtClean="0">
+              <a:rPr lang="en-GB" dirty="0">
                 <a:solidFill>
                   <a:schemeClr val="bg1"/>
                 </a:solidFill>
@@ -4031,18 +3970,35 @@
           <a:p>
             <a:pPr lvl="1"/>
             <a:r>
-              <a:rPr lang="en-GB" dirty="0" smtClean="0">
+              <a:rPr lang="en-GB" dirty="0">
                 <a:solidFill>
                   <a:schemeClr val="bg1"/>
                 </a:solidFill>
               </a:rPr>
               <a:t>Sending/Receiving</a:t>
             </a:r>
-            <a:endParaRPr lang="en-GB" dirty="0">
-              <a:solidFill>
-                <a:schemeClr val="bg1"/>
-              </a:solidFill>
-            </a:endParaRPr>
+          </a:p>
+          <a:p>
+            <a:pPr lvl="1"/>
+            <a:r>
+              <a:rPr lang="en-GB" dirty="0">
+                <a:solidFill>
+                  <a:schemeClr val="bg1"/>
+                </a:solidFill>
+              </a:rPr>
+              <a:t>Pros</a:t>
+            </a:r>
+          </a:p>
+          <a:p>
+            <a:pPr lvl="1"/>
+            <a:r>
+              <a:rPr lang="en-GB" dirty="0">
+                <a:solidFill>
+                  <a:schemeClr val="bg1"/>
+                </a:solidFill>
+              </a:rPr>
+              <a:t>Cons</a:t>
+            </a:r>
           </a:p>
         </p:txBody>
       </p:sp>
@@ -4056,13 +4012,6 @@
   <p:clrMapOvr>
     <a:masterClrMapping/>
   </p:clrMapOvr>
-  <p:timing>
-    <p:tnLst>
-      <p:par>
-        <p:cTn id="1" dur="indefinite" restart="never" nodeType="tmRoot"/>
-      </p:par>
-    </p:tnLst>
-  </p:timing>
 </p:sld>
 </file>
 
@@ -4129,18 +4078,13 @@
           <a:lstStyle/>
           <a:p>
             <a:r>
-              <a:rPr lang="en-GB" dirty="0" smtClean="0">
+              <a:rPr lang="en-GB" dirty="0">
                 <a:solidFill>
                   <a:schemeClr val="bg1"/>
                 </a:solidFill>
               </a:rPr>
               <a:t>Prediction/Interpolation</a:t>
             </a:r>
-            <a:endParaRPr lang="en-GB" dirty="0">
-              <a:solidFill>
-                <a:schemeClr val="bg1"/>
-              </a:solidFill>
-            </a:endParaRPr>
           </a:p>
         </p:txBody>
       </p:sp>
@@ -4160,7 +4104,7 @@
           <a:lstStyle/>
           <a:p>
             <a:r>
-              <a:rPr lang="en-GB" dirty="0" smtClean="0">
+              <a:rPr lang="en-GB" dirty="0">
                 <a:solidFill>
                   <a:schemeClr val="bg1"/>
                 </a:solidFill>
@@ -4171,79 +4115,45 @@
           <a:p>
             <a:pPr lvl="1"/>
             <a:r>
-              <a:rPr lang="en-GB" dirty="0" smtClean="0">
+              <a:rPr lang="en-GB" dirty="0">
                 <a:solidFill>
                   <a:schemeClr val="bg1"/>
                 </a:solidFill>
               </a:rPr>
               <a:t>Linear attempted</a:t>
             </a:r>
-            <a:endParaRPr lang="en-GB" dirty="0" smtClean="0">
-              <a:solidFill>
-                <a:schemeClr val="bg1"/>
-              </a:solidFill>
-            </a:endParaRPr>
-          </a:p>
-          <a:p>
-            <a:r>
-              <a:rPr lang="en-GB" dirty="0" err="1" smtClean="0">
-                <a:solidFill>
-                  <a:schemeClr val="bg1"/>
-                </a:solidFill>
-              </a:rPr>
-              <a:t>Boid</a:t>
-            </a:r>
-            <a:r>
-              <a:rPr lang="en-GB" dirty="0" smtClean="0">
-                <a:solidFill>
-                  <a:schemeClr val="bg1"/>
-                </a:solidFill>
-              </a:rPr>
-              <a:t> update</a:t>
+          </a:p>
+          <a:p>
+            <a:r>
+              <a:rPr lang="en-GB" dirty="0">
+                <a:solidFill>
+                  <a:schemeClr val="bg1"/>
+                </a:solidFill>
+              </a:rPr>
+              <a:t>Boid update</a:t>
             </a:r>
           </a:p>
           <a:p>
             <a:pPr lvl="1"/>
             <a:r>
-              <a:rPr lang="en-GB" dirty="0" smtClean="0">
-                <a:solidFill>
-                  <a:schemeClr val="bg1"/>
-                </a:solidFill>
-              </a:rPr>
-              <a:t>Recalculating </a:t>
-            </a:r>
-            <a:r>
-              <a:rPr lang="en-GB" dirty="0" err="1" smtClean="0">
-                <a:solidFill>
-                  <a:schemeClr val="bg1"/>
-                </a:solidFill>
-              </a:rPr>
-              <a:t>pos</a:t>
-            </a:r>
-            <a:r>
-              <a:rPr lang="en-GB" dirty="0" smtClean="0">
-                <a:solidFill>
-                  <a:schemeClr val="bg1"/>
-                </a:solidFill>
-              </a:rPr>
-              <a:t> every frame</a:t>
+              <a:rPr lang="en-GB" dirty="0">
+                <a:solidFill>
+                  <a:schemeClr val="bg1"/>
+                </a:solidFill>
+              </a:rPr>
+              <a:t>Recalculating position every frame</a:t>
             </a:r>
           </a:p>
           <a:p>
             <a:pPr lvl="1"/>
             <a:r>
-              <a:rPr lang="en-GB" dirty="0" smtClean="0">
+              <a:rPr lang="en-GB" dirty="0">
                 <a:solidFill>
                   <a:schemeClr val="bg1"/>
                 </a:solidFill>
               </a:rPr>
               <a:t>Prediction needed?</a:t>
             </a:r>
-            <a:endParaRPr lang="en-GB" dirty="0">
-              <a:solidFill>
-                <a:schemeClr val="bg1"/>
-              </a:solidFill>
-            </a:endParaRPr>
           </a:p>
         </p:txBody>
       </p:sp>
@@ -4257,13 +4167,6 @@
   <p:clrMapOvr>
     <a:masterClrMapping/>
   </p:clrMapOvr>
-  <p:timing>
-    <p:tnLst>
-      <p:par>
-        <p:cTn id="1" dur="indefinite" restart="never" nodeType="tmRoot"/>
-      </p:par>
-    </p:tnLst>
-  </p:timing>
 </p:sld>
 </file>
 
@@ -4330,12 +4233,153 @@
           <a:lstStyle/>
           <a:p>
             <a:r>
-              <a:rPr lang="en-GB" dirty="0" smtClean="0">
+              <a:rPr lang="en-GB" dirty="0">
                 <a:solidFill>
                   <a:schemeClr val="bg1"/>
                 </a:solidFill>
               </a:rPr>
               <a:t>Critical Discussion</a:t>
+            </a:r>
+          </a:p>
+        </p:txBody>
+      </p:sp>
+      <p:sp>
+        <p:nvSpPr>
+          <p:cNvPr id="3" name="Content Placeholder 2"/>
+          <p:cNvSpPr>
+            <a:spLocks noGrp="1"/>
+          </p:cNvSpPr>
+          <p:nvPr>
+            <p:ph idx="1"/>
+          </p:nvPr>
+        </p:nvSpPr>
+        <p:spPr/>
+        <p:txBody>
+          <a:bodyPr>
+            <a:normAutofit fontScale="77500" lnSpcReduction="20000"/>
+          </a:bodyPr>
+          <a:lstStyle/>
+          <a:p>
+            <a:r>
+              <a:rPr lang="en-GB" dirty="0">
+                <a:solidFill>
+                  <a:schemeClr val="bg1"/>
+                </a:solidFill>
+              </a:rPr>
+              <a:t>Use TCP for connection/disconnection</a:t>
+            </a:r>
+          </a:p>
+          <a:p>
+            <a:r>
+              <a:rPr lang="en-GB" dirty="0">
+                <a:solidFill>
+                  <a:schemeClr val="bg1"/>
+                </a:solidFill>
+              </a:rPr>
+              <a:t>Connection class</a:t>
+            </a:r>
+          </a:p>
+          <a:p>
+            <a:r>
+              <a:rPr lang="en-GB" dirty="0">
+                <a:solidFill>
+                  <a:schemeClr val="bg1"/>
+                </a:solidFill>
+              </a:rPr>
+              <a:t>Improve/add prediction</a:t>
+            </a:r>
+          </a:p>
+          <a:p>
+            <a:r>
+              <a:rPr lang="en-GB" dirty="0">
+                <a:solidFill>
+                  <a:schemeClr val="bg1"/>
+                </a:solidFill>
+              </a:rPr>
+              <a:t>More interaction</a:t>
+            </a:r>
+          </a:p>
+          <a:p>
+            <a:r>
+              <a:rPr lang="en-GB" dirty="0">
+                <a:solidFill>
+                  <a:schemeClr val="bg1"/>
+                </a:solidFill>
+              </a:rPr>
+              <a:t>Sf::Int</a:t>
+            </a:r>
+          </a:p>
+          <a:p>
+            <a:r>
+              <a:rPr lang="en-GB" dirty="0">
+                <a:solidFill>
+                  <a:schemeClr val="bg1"/>
+                </a:solidFill>
+              </a:rPr>
+              <a:t>Clumsy Testing</a:t>
+            </a:r>
+          </a:p>
+          <a:p>
+            <a:pPr lvl="1"/>
+            <a:r>
+              <a:rPr lang="en-GB" dirty="0">
+                <a:solidFill>
+                  <a:schemeClr val="bg1"/>
+                </a:solidFill>
+              </a:rPr>
+              <a:t>Max players 3 – Boid information.</a:t>
+            </a:r>
+          </a:p>
+          <a:p>
+            <a:pPr lvl="1"/>
+            <a:r>
+              <a:rPr lang="en-GB" dirty="0">
+                <a:solidFill>
+                  <a:schemeClr val="bg1"/>
+                </a:solidFill>
+              </a:rPr>
+              <a:t>Max latency 50ms -250ms, 250ms – 500ms</a:t>
+            </a:r>
+          </a:p>
+          <a:p>
+            <a:pPr lvl="1"/>
+            <a:r>
+              <a:rPr lang="en-GB" dirty="0">
+                <a:solidFill>
+                  <a:schemeClr val="bg1"/>
+                </a:solidFill>
+              </a:rPr>
+              <a:t>Packet loss – 25%, 50%+, 75%?</a:t>
+            </a:r>
+          </a:p>
+          <a:p>
+            <a:pPr lvl="1"/>
+            <a:r>
+              <a:rPr lang="en-GB" dirty="0">
+                <a:solidFill>
+                  <a:schemeClr val="bg1"/>
+                </a:solidFill>
+              </a:rPr>
+              <a:t>Throttling – 50%, 75%+ delay</a:t>
+            </a:r>
+          </a:p>
+          <a:p>
+            <a:pPr lvl="1"/>
+            <a:r>
+              <a:rPr lang="en-GB" dirty="0">
+                <a:solidFill>
+                  <a:schemeClr val="bg1"/>
+                </a:solidFill>
+              </a:rPr>
+              <a:t>Duplicates – 50%, 75%+ Double </a:t>
+            </a:r>
+            <a:r>
+              <a:rPr lang="en-GB" dirty="0" err="1">
+                <a:solidFill>
+                  <a:schemeClr val="bg1"/>
+                </a:solidFill>
+              </a:rPr>
+              <a:t>boids</a:t>
             </a:r>
             <a:endParaRPr lang="en-GB" dirty="0">
               <a:solidFill>
@@ -4343,145 +4387,38 @@
               </a:solidFill>
             </a:endParaRPr>
           </a:p>
-        </p:txBody>
-      </p:sp>
-      <p:sp>
-        <p:nvSpPr>
-          <p:cNvPr id="3" name="Content Placeholder 2"/>
-          <p:cNvSpPr>
-            <a:spLocks noGrp="1"/>
-          </p:cNvSpPr>
-          <p:nvPr>
-            <p:ph idx="1"/>
-          </p:nvPr>
-        </p:nvSpPr>
-        <p:spPr/>
-        <p:txBody>
-          <a:bodyPr/>
-          <a:lstStyle/>
-          <a:p>
-            <a:r>
-              <a:rPr lang="en-GB" dirty="0" smtClean="0">
-                <a:solidFill>
-                  <a:schemeClr val="bg1"/>
-                </a:solidFill>
-              </a:rPr>
-              <a:t>Use TCP for connection/disconnection</a:t>
-            </a:r>
-          </a:p>
-          <a:p>
-            <a:r>
-              <a:rPr lang="en-GB" dirty="0" smtClean="0">
-                <a:solidFill>
-                  <a:schemeClr val="bg1"/>
-                </a:solidFill>
-              </a:rPr>
-              <a:t>Improve/add prediction</a:t>
-            </a:r>
-          </a:p>
-          <a:p>
-            <a:r>
-              <a:rPr lang="en-GB" dirty="0" smtClean="0">
-                <a:solidFill>
-                  <a:schemeClr val="bg1"/>
-                </a:solidFill>
-              </a:rPr>
-              <a:t>More controls</a:t>
-            </a:r>
-          </a:p>
-          <a:p>
-            <a:r>
-              <a:rPr lang="en-GB" dirty="0" smtClean="0">
-                <a:solidFill>
-                  <a:schemeClr val="bg1"/>
-                </a:solidFill>
-              </a:rPr>
-              <a:t>Reflect on all slides</a:t>
-            </a:r>
-          </a:p>
-          <a:p>
-            <a:r>
-              <a:rPr lang="en-GB" dirty="0" smtClean="0">
-                <a:solidFill>
-                  <a:schemeClr val="bg1"/>
-                </a:solidFill>
-              </a:rPr>
-              <a:t>Sf::</a:t>
-            </a:r>
-            <a:r>
-              <a:rPr lang="en-GB" dirty="0" err="1" smtClean="0">
-                <a:solidFill>
-                  <a:schemeClr val="bg1"/>
-                </a:solidFill>
-              </a:rPr>
-              <a:t>Int</a:t>
-            </a:r>
-            <a:endParaRPr lang="en-GB" dirty="0" smtClean="0">
-              <a:solidFill>
-                <a:schemeClr val="bg1"/>
-              </a:solidFill>
-            </a:endParaRPr>
-          </a:p>
-          <a:p>
-            <a:r>
-              <a:rPr lang="en-GB" dirty="0" smtClean="0">
-                <a:solidFill>
-                  <a:schemeClr val="bg1"/>
-                </a:solidFill>
-              </a:rPr>
-              <a:t>Clumsy Testing</a:t>
-            </a:r>
-          </a:p>
           <a:p>
             <a:pPr lvl="1"/>
             <a:r>
-              <a:rPr lang="en-GB" dirty="0" smtClean="0">
-                <a:solidFill>
-                  <a:schemeClr val="bg1"/>
-                </a:solidFill>
-              </a:rPr>
-              <a:t>Max players </a:t>
-            </a:r>
-            <a:r>
-              <a:rPr lang="en-GB" dirty="0" err="1" smtClean="0">
-                <a:solidFill>
-                  <a:schemeClr val="bg1"/>
-                </a:solidFill>
-              </a:rPr>
-              <a:t>etc</a:t>
-            </a:r>
-            <a:endParaRPr lang="en-GB" dirty="0" smtClean="0">
-              <a:solidFill>
-                <a:schemeClr val="bg1"/>
-              </a:solidFill>
-            </a:endParaRPr>
+              <a:rPr lang="en-GB" dirty="0">
+                <a:solidFill>
+                  <a:schemeClr val="bg1"/>
+                </a:solidFill>
+              </a:rPr>
+              <a:t>Out Of Order – 50%, 75%+ seems fine too?</a:t>
+            </a:r>
           </a:p>
           <a:p>
             <a:pPr lvl="1"/>
             <a:r>
-              <a:rPr lang="en-GB" dirty="0" smtClean="0">
-                <a:solidFill>
-                  <a:schemeClr val="bg1"/>
-                </a:solidFill>
-              </a:rPr>
-              <a:t>Max latency</a:t>
+              <a:rPr lang="en-GB" dirty="0">
+                <a:solidFill>
+                  <a:schemeClr val="bg1"/>
+                </a:solidFill>
+              </a:rPr>
+              <a:t>Tamper – 50% - Server issues.</a:t>
             </a:r>
           </a:p>
           <a:p>
             <a:pPr lvl="1"/>
             <a:r>
-              <a:rPr lang="en-GB" dirty="0" smtClean="0">
-                <a:solidFill>
-                  <a:schemeClr val="bg1"/>
-                </a:solidFill>
-              </a:rPr>
-              <a:t>Packet loss</a:t>
-            </a:r>
-            <a:endParaRPr lang="en-GB" dirty="0">
-              <a:solidFill>
-                <a:schemeClr val="bg1"/>
-              </a:solidFill>
-            </a:endParaRPr>
+              <a:rPr lang="en-GB" dirty="0">
+                <a:solidFill>
+                  <a:schemeClr val="bg1"/>
+                </a:solidFill>
+              </a:rPr>
+              <a:t>All?</a:t>
+            </a:r>
           </a:p>
         </p:txBody>
       </p:sp>
@@ -4495,13 +4432,6 @@
   <p:clrMapOvr>
     <a:masterClrMapping/>
   </p:clrMapOvr>
-  <p:timing>
-    <p:tnLst>
-      <p:par>
-        <p:cTn id="1" dur="indefinite" restart="never" nodeType="tmRoot"/>
-      </p:par>
-    </p:tnLst>
-  </p:timing>
 </p:sld>
 </file>
 
@@ -4568,18 +4498,13 @@
           <a:lstStyle/>
           <a:p>
             <a:r>
-              <a:rPr lang="en-GB" dirty="0" smtClean="0">
+              <a:rPr lang="en-GB" dirty="0">
                 <a:solidFill>
                   <a:schemeClr val="bg1"/>
                 </a:solidFill>
               </a:rPr>
               <a:t>Questions?</a:t>
             </a:r>
-            <a:endParaRPr lang="en-GB" dirty="0">
-              <a:solidFill>
-                <a:schemeClr val="bg1"/>
-              </a:solidFill>
-            </a:endParaRPr>
           </a:p>
         </p:txBody>
       </p:sp>
@@ -4612,13 +4537,6 @@
   <p:clrMapOvr>
     <a:masterClrMapping/>
   </p:clrMapOvr>
-  <p:timing>
-    <p:tnLst>
-      <p:par>
-        <p:cTn id="1" dur="indefinite" restart="never" nodeType="tmRoot"/>
-      </p:par>
-    </p:tnLst>
-  </p:timing>
 </p:sld>
 </file>
 
